--- a/LIUCHENGTU.pptx
+++ b/LIUCHENGTU.pptx
@@ -6,6 +6,8 @@
   </p:sldMasterIdLst>
   <p:sldIdLst>
     <p:sldId id="256" r:id="rId2"/>
+    <p:sldId id="257" r:id="rId3"/>
+    <p:sldId id="258" r:id="rId4"/>
   </p:sldIdLst>
   <p:sldSz cx="12192000" cy="6858000"/>
   <p:notesSz cx="6858000" cy="9144000"/>
@@ -104,6 +106,11 @@
       </a:defRPr>
     </a:lvl9pPr>
   </p:defaultTextStyle>
+  <p:extLst>
+    <p:ext uri="{EFAFB233-063F-42B5-8137-9DF3F51BA10A}">
+      <p15:sldGuideLst xmlns:p15="http://schemas.microsoft.com/office/powerpoint/2012/main"/>
+    </p:ext>
+  </p:extLst>
 </p:presentation>
 </file>
 
@@ -254,7 +261,7 @@
           <a:p>
             <a:fld id="{8E01459A-0DBB-8948-96EA-862E571E031A}" type="datetimeFigureOut">
               <a:rPr kumimoji="1" lang="zh-CN" altLang="en-US" smtClean="0"/>
-              <a:t>2019/4/12</a:t>
+              <a:t>2019/6/3</a:t>
             </a:fld>
             <a:endParaRPr kumimoji="1" lang="zh-CN" altLang="en-US"/>
           </a:p>
@@ -452,7 +459,7 @@
           <a:p>
             <a:fld id="{8E01459A-0DBB-8948-96EA-862E571E031A}" type="datetimeFigureOut">
               <a:rPr kumimoji="1" lang="zh-CN" altLang="en-US" smtClean="0"/>
-              <a:t>2019/4/12</a:t>
+              <a:t>2019/6/3</a:t>
             </a:fld>
             <a:endParaRPr kumimoji="1" lang="zh-CN" altLang="en-US"/>
           </a:p>
@@ -660,7 +667,7 @@
           <a:p>
             <a:fld id="{8E01459A-0DBB-8948-96EA-862E571E031A}" type="datetimeFigureOut">
               <a:rPr kumimoji="1" lang="zh-CN" altLang="en-US" smtClean="0"/>
-              <a:t>2019/4/12</a:t>
+              <a:t>2019/6/3</a:t>
             </a:fld>
             <a:endParaRPr kumimoji="1" lang="zh-CN" altLang="en-US"/>
           </a:p>
@@ -858,7 +865,7 @@
           <a:p>
             <a:fld id="{8E01459A-0DBB-8948-96EA-862E571E031A}" type="datetimeFigureOut">
               <a:rPr kumimoji="1" lang="zh-CN" altLang="en-US" smtClean="0"/>
-              <a:t>2019/4/12</a:t>
+              <a:t>2019/6/3</a:t>
             </a:fld>
             <a:endParaRPr kumimoji="1" lang="zh-CN" altLang="en-US"/>
           </a:p>
@@ -1133,7 +1140,7 @@
           <a:p>
             <a:fld id="{8E01459A-0DBB-8948-96EA-862E571E031A}" type="datetimeFigureOut">
               <a:rPr kumimoji="1" lang="zh-CN" altLang="en-US" smtClean="0"/>
-              <a:t>2019/4/12</a:t>
+              <a:t>2019/6/3</a:t>
             </a:fld>
             <a:endParaRPr kumimoji="1" lang="zh-CN" altLang="en-US"/>
           </a:p>
@@ -1398,7 +1405,7 @@
           <a:p>
             <a:fld id="{8E01459A-0DBB-8948-96EA-862E571E031A}" type="datetimeFigureOut">
               <a:rPr kumimoji="1" lang="zh-CN" altLang="en-US" smtClean="0"/>
-              <a:t>2019/4/12</a:t>
+              <a:t>2019/6/3</a:t>
             </a:fld>
             <a:endParaRPr kumimoji="1" lang="zh-CN" altLang="en-US"/>
           </a:p>
@@ -1810,7 +1817,7 @@
           <a:p>
             <a:fld id="{8E01459A-0DBB-8948-96EA-862E571E031A}" type="datetimeFigureOut">
               <a:rPr kumimoji="1" lang="zh-CN" altLang="en-US" smtClean="0"/>
-              <a:t>2019/4/12</a:t>
+              <a:t>2019/6/3</a:t>
             </a:fld>
             <a:endParaRPr kumimoji="1" lang="zh-CN" altLang="en-US"/>
           </a:p>
@@ -1951,7 +1958,7 @@
           <a:p>
             <a:fld id="{8E01459A-0DBB-8948-96EA-862E571E031A}" type="datetimeFigureOut">
               <a:rPr kumimoji="1" lang="zh-CN" altLang="en-US" smtClean="0"/>
-              <a:t>2019/4/12</a:t>
+              <a:t>2019/6/3</a:t>
             </a:fld>
             <a:endParaRPr kumimoji="1" lang="zh-CN" altLang="en-US"/>
           </a:p>
@@ -2064,7 +2071,7 @@
           <a:p>
             <a:fld id="{8E01459A-0DBB-8948-96EA-862E571E031A}" type="datetimeFigureOut">
               <a:rPr kumimoji="1" lang="zh-CN" altLang="en-US" smtClean="0"/>
-              <a:t>2019/4/12</a:t>
+              <a:t>2019/6/3</a:t>
             </a:fld>
             <a:endParaRPr kumimoji="1" lang="zh-CN" altLang="en-US"/>
           </a:p>
@@ -2375,7 +2382,7 @@
           <a:p>
             <a:fld id="{8E01459A-0DBB-8948-96EA-862E571E031A}" type="datetimeFigureOut">
               <a:rPr kumimoji="1" lang="zh-CN" altLang="en-US" smtClean="0"/>
-              <a:t>2019/4/12</a:t>
+              <a:t>2019/6/3</a:t>
             </a:fld>
             <a:endParaRPr kumimoji="1" lang="zh-CN" altLang="en-US"/>
           </a:p>
@@ -2663,7 +2670,7 @@
           <a:p>
             <a:fld id="{8E01459A-0DBB-8948-96EA-862E571E031A}" type="datetimeFigureOut">
               <a:rPr kumimoji="1" lang="zh-CN" altLang="en-US" smtClean="0"/>
-              <a:t>2019/4/12</a:t>
+              <a:t>2019/6/3</a:t>
             </a:fld>
             <a:endParaRPr kumimoji="1" lang="zh-CN" altLang="en-US"/>
           </a:p>
@@ -2904,7 +2911,7 @@
           <a:p>
             <a:fld id="{8E01459A-0DBB-8948-96EA-862E571E031A}" type="datetimeFigureOut">
               <a:rPr kumimoji="1" lang="zh-CN" altLang="en-US" smtClean="0"/>
-              <a:t>2019/4/12</a:t>
+              <a:t>2019/6/3</a:t>
             </a:fld>
             <a:endParaRPr kumimoji="1" lang="zh-CN" altLang="en-US"/>
           </a:p>
@@ -4147,6 +4154,5074 @@
 </p:sld>
 </file>
 
+<file path=ppt/slides/slide2.xml><?xml version="1.0" encoding="utf-8"?>
+<p:sld xmlns:a="http://schemas.openxmlformats.org/drawingml/2006/main" xmlns:r="http://schemas.openxmlformats.org/officeDocument/2006/relationships" xmlns:p="http://schemas.openxmlformats.org/presentationml/2006/main">
+  <p:cSld>
+    <p:spTree>
+      <p:nvGrpSpPr>
+        <p:cNvPr id="1" name=""/>
+        <p:cNvGrpSpPr/>
+        <p:nvPr/>
+      </p:nvGrpSpPr>
+      <p:grpSpPr>
+        <a:xfrm>
+          <a:off x="0" y="0"/>
+          <a:ext cx="0" cy="0"/>
+          <a:chOff x="0" y="0"/>
+          <a:chExt cx="0" cy="0"/>
+        </a:xfrm>
+      </p:grpSpPr>
+      <p:grpSp>
+        <p:nvGrpSpPr>
+          <p:cNvPr id="7" name="组合 6">
+            <a:extLst>
+              <a:ext uri="{FF2B5EF4-FFF2-40B4-BE49-F238E27FC236}">
+                <a16:creationId xmlns:a16="http://schemas.microsoft.com/office/drawing/2014/main" id="{D6436E76-C48A-2C45-B7B3-7ED685B3C310}"/>
+              </a:ext>
+            </a:extLst>
+          </p:cNvPr>
+          <p:cNvGrpSpPr/>
+          <p:nvPr/>
+        </p:nvGrpSpPr>
+        <p:grpSpPr>
+          <a:xfrm>
+            <a:off x="3015343" y="1534885"/>
+            <a:ext cx="424543" cy="1698172"/>
+            <a:chOff x="1284514" y="1382485"/>
+            <a:chExt cx="424543" cy="1698172"/>
+          </a:xfrm>
+        </p:grpSpPr>
+        <p:sp>
+          <p:nvSpPr>
+            <p:cNvPr id="3" name="矩形 2">
+              <a:extLst>
+                <a:ext uri="{FF2B5EF4-FFF2-40B4-BE49-F238E27FC236}">
+                  <a16:creationId xmlns:a16="http://schemas.microsoft.com/office/drawing/2014/main" id="{FBC71428-6A35-104C-A3B1-6B4082E9969E}"/>
+                </a:ext>
+              </a:extLst>
+            </p:cNvPr>
+            <p:cNvSpPr/>
+            <p:nvPr/>
+          </p:nvSpPr>
+          <p:spPr>
+            <a:xfrm>
+              <a:off x="1284514" y="1382485"/>
+              <a:ext cx="424543" cy="424543"/>
+            </a:xfrm>
+            <a:prstGeom prst="rect">
+              <a:avLst/>
+            </a:prstGeom>
+            <a:noFill/>
+            <a:ln>
+              <a:solidFill>
+                <a:schemeClr val="tx1"/>
+              </a:solidFill>
+            </a:ln>
+          </p:spPr>
+          <p:style>
+            <a:lnRef idx="2">
+              <a:schemeClr val="accent1">
+                <a:shade val="50000"/>
+              </a:schemeClr>
+            </a:lnRef>
+            <a:fillRef idx="1">
+              <a:schemeClr val="accent1"/>
+            </a:fillRef>
+            <a:effectRef idx="0">
+              <a:schemeClr val="accent1"/>
+            </a:effectRef>
+            <a:fontRef idx="minor">
+              <a:schemeClr val="lt1"/>
+            </a:fontRef>
+          </p:style>
+          <p:txBody>
+            <a:bodyPr rtlCol="0" anchor="ctr"/>
+            <a:lstStyle/>
+            <a:p>
+              <a:pPr algn="ctr"/>
+              <a:endParaRPr kumimoji="1" lang="zh-CN" altLang="en-US"/>
+            </a:p>
+          </p:txBody>
+        </p:sp>
+        <p:sp>
+          <p:nvSpPr>
+            <p:cNvPr id="4" name="矩形 3">
+              <a:extLst>
+                <a:ext uri="{FF2B5EF4-FFF2-40B4-BE49-F238E27FC236}">
+                  <a16:creationId xmlns:a16="http://schemas.microsoft.com/office/drawing/2014/main" id="{697D3575-45A6-6343-BCAD-1CC91595681C}"/>
+                </a:ext>
+              </a:extLst>
+            </p:cNvPr>
+            <p:cNvSpPr/>
+            <p:nvPr/>
+          </p:nvSpPr>
+          <p:spPr>
+            <a:xfrm>
+              <a:off x="1284514" y="1807028"/>
+              <a:ext cx="424543" cy="424543"/>
+            </a:xfrm>
+            <a:prstGeom prst="rect">
+              <a:avLst/>
+            </a:prstGeom>
+            <a:noFill/>
+            <a:ln>
+              <a:solidFill>
+                <a:schemeClr val="tx1"/>
+              </a:solidFill>
+            </a:ln>
+          </p:spPr>
+          <p:style>
+            <a:lnRef idx="2">
+              <a:schemeClr val="accent1">
+                <a:shade val="50000"/>
+              </a:schemeClr>
+            </a:lnRef>
+            <a:fillRef idx="1">
+              <a:schemeClr val="accent1"/>
+            </a:fillRef>
+            <a:effectRef idx="0">
+              <a:schemeClr val="accent1"/>
+            </a:effectRef>
+            <a:fontRef idx="minor">
+              <a:schemeClr val="lt1"/>
+            </a:fontRef>
+          </p:style>
+          <p:txBody>
+            <a:bodyPr rtlCol="0" anchor="ctr"/>
+            <a:lstStyle/>
+            <a:p>
+              <a:pPr algn="ctr"/>
+              <a:endParaRPr kumimoji="1" lang="zh-CN" altLang="en-US"/>
+            </a:p>
+          </p:txBody>
+        </p:sp>
+        <p:sp>
+          <p:nvSpPr>
+            <p:cNvPr id="5" name="矩形 4">
+              <a:extLst>
+                <a:ext uri="{FF2B5EF4-FFF2-40B4-BE49-F238E27FC236}">
+                  <a16:creationId xmlns:a16="http://schemas.microsoft.com/office/drawing/2014/main" id="{45E78EAB-1B92-5D4F-9C94-2F2EFBDF8C24}"/>
+                </a:ext>
+              </a:extLst>
+            </p:cNvPr>
+            <p:cNvSpPr/>
+            <p:nvPr/>
+          </p:nvSpPr>
+          <p:spPr>
+            <a:xfrm>
+              <a:off x="1284514" y="2231571"/>
+              <a:ext cx="424543" cy="424543"/>
+            </a:xfrm>
+            <a:prstGeom prst="rect">
+              <a:avLst/>
+            </a:prstGeom>
+            <a:noFill/>
+            <a:ln>
+              <a:solidFill>
+                <a:schemeClr val="tx1"/>
+              </a:solidFill>
+            </a:ln>
+          </p:spPr>
+          <p:style>
+            <a:lnRef idx="2">
+              <a:schemeClr val="accent1">
+                <a:shade val="50000"/>
+              </a:schemeClr>
+            </a:lnRef>
+            <a:fillRef idx="1">
+              <a:schemeClr val="accent1"/>
+            </a:fillRef>
+            <a:effectRef idx="0">
+              <a:schemeClr val="accent1"/>
+            </a:effectRef>
+            <a:fontRef idx="minor">
+              <a:schemeClr val="lt1"/>
+            </a:fontRef>
+          </p:style>
+          <p:txBody>
+            <a:bodyPr rtlCol="0" anchor="ctr"/>
+            <a:lstStyle/>
+            <a:p>
+              <a:pPr algn="ctr"/>
+              <a:endParaRPr kumimoji="1" lang="zh-CN" altLang="en-US"/>
+            </a:p>
+          </p:txBody>
+        </p:sp>
+        <p:sp>
+          <p:nvSpPr>
+            <p:cNvPr id="6" name="矩形 5">
+              <a:extLst>
+                <a:ext uri="{FF2B5EF4-FFF2-40B4-BE49-F238E27FC236}">
+                  <a16:creationId xmlns:a16="http://schemas.microsoft.com/office/drawing/2014/main" id="{F87F0ECB-C1D5-1F43-9FD9-07D6D87979CF}"/>
+                </a:ext>
+              </a:extLst>
+            </p:cNvPr>
+            <p:cNvSpPr/>
+            <p:nvPr/>
+          </p:nvSpPr>
+          <p:spPr>
+            <a:xfrm>
+              <a:off x="1284514" y="2656114"/>
+              <a:ext cx="424543" cy="424543"/>
+            </a:xfrm>
+            <a:prstGeom prst="rect">
+              <a:avLst/>
+            </a:prstGeom>
+            <a:noFill/>
+            <a:ln>
+              <a:solidFill>
+                <a:schemeClr val="tx1"/>
+              </a:solidFill>
+            </a:ln>
+          </p:spPr>
+          <p:style>
+            <a:lnRef idx="2">
+              <a:schemeClr val="accent1">
+                <a:shade val="50000"/>
+              </a:schemeClr>
+            </a:lnRef>
+            <a:fillRef idx="1">
+              <a:schemeClr val="accent1"/>
+            </a:fillRef>
+            <a:effectRef idx="0">
+              <a:schemeClr val="accent1"/>
+            </a:effectRef>
+            <a:fontRef idx="minor">
+              <a:schemeClr val="lt1"/>
+            </a:fontRef>
+          </p:style>
+          <p:txBody>
+            <a:bodyPr rtlCol="0" anchor="ctr"/>
+            <a:lstStyle/>
+            <a:p>
+              <a:pPr algn="ctr"/>
+              <a:endParaRPr kumimoji="1" lang="zh-CN" altLang="en-US"/>
+            </a:p>
+          </p:txBody>
+        </p:sp>
+      </p:grpSp>
+      <p:grpSp>
+        <p:nvGrpSpPr>
+          <p:cNvPr id="8" name="组合 7">
+            <a:extLst>
+              <a:ext uri="{FF2B5EF4-FFF2-40B4-BE49-F238E27FC236}">
+                <a16:creationId xmlns:a16="http://schemas.microsoft.com/office/drawing/2014/main" id="{399B66F5-34DF-014E-A3DC-FC74B79D44BB}"/>
+              </a:ext>
+            </a:extLst>
+          </p:cNvPr>
+          <p:cNvGrpSpPr/>
+          <p:nvPr/>
+        </p:nvGrpSpPr>
+        <p:grpSpPr>
+          <a:xfrm>
+            <a:off x="1436914" y="1534885"/>
+            <a:ext cx="424543" cy="1698172"/>
+            <a:chOff x="1284514" y="1382485"/>
+            <a:chExt cx="424543" cy="1698172"/>
+          </a:xfrm>
+        </p:grpSpPr>
+        <p:sp>
+          <p:nvSpPr>
+            <p:cNvPr id="9" name="矩形 8">
+              <a:extLst>
+                <a:ext uri="{FF2B5EF4-FFF2-40B4-BE49-F238E27FC236}">
+                  <a16:creationId xmlns:a16="http://schemas.microsoft.com/office/drawing/2014/main" id="{CD83EC89-2524-404E-981C-6F8F35C455F7}"/>
+                </a:ext>
+              </a:extLst>
+            </p:cNvPr>
+            <p:cNvSpPr/>
+            <p:nvPr/>
+          </p:nvSpPr>
+          <p:spPr>
+            <a:xfrm>
+              <a:off x="1284514" y="1382485"/>
+              <a:ext cx="424543" cy="424543"/>
+            </a:xfrm>
+            <a:prstGeom prst="rect">
+              <a:avLst/>
+            </a:prstGeom>
+            <a:noFill/>
+            <a:ln>
+              <a:solidFill>
+                <a:schemeClr val="tx1"/>
+              </a:solidFill>
+            </a:ln>
+          </p:spPr>
+          <p:style>
+            <a:lnRef idx="2">
+              <a:schemeClr val="accent1">
+                <a:shade val="50000"/>
+              </a:schemeClr>
+            </a:lnRef>
+            <a:fillRef idx="1">
+              <a:schemeClr val="accent1"/>
+            </a:fillRef>
+            <a:effectRef idx="0">
+              <a:schemeClr val="accent1"/>
+            </a:effectRef>
+            <a:fontRef idx="minor">
+              <a:schemeClr val="lt1"/>
+            </a:fontRef>
+          </p:style>
+          <p:txBody>
+            <a:bodyPr rtlCol="0" anchor="ctr"/>
+            <a:lstStyle/>
+            <a:p>
+              <a:pPr algn="ctr"/>
+              <a:endParaRPr kumimoji="1" lang="zh-CN" altLang="en-US"/>
+            </a:p>
+          </p:txBody>
+        </p:sp>
+        <p:sp>
+          <p:nvSpPr>
+            <p:cNvPr id="10" name="矩形 9">
+              <a:extLst>
+                <a:ext uri="{FF2B5EF4-FFF2-40B4-BE49-F238E27FC236}">
+                  <a16:creationId xmlns:a16="http://schemas.microsoft.com/office/drawing/2014/main" id="{BEFBEAB4-B006-7542-A69C-9CB6764BFC19}"/>
+                </a:ext>
+              </a:extLst>
+            </p:cNvPr>
+            <p:cNvSpPr/>
+            <p:nvPr/>
+          </p:nvSpPr>
+          <p:spPr>
+            <a:xfrm>
+              <a:off x="1284514" y="1807028"/>
+              <a:ext cx="424543" cy="424543"/>
+            </a:xfrm>
+            <a:prstGeom prst="rect">
+              <a:avLst/>
+            </a:prstGeom>
+            <a:noFill/>
+            <a:ln>
+              <a:solidFill>
+                <a:schemeClr val="tx1"/>
+              </a:solidFill>
+            </a:ln>
+          </p:spPr>
+          <p:style>
+            <a:lnRef idx="2">
+              <a:schemeClr val="accent1">
+                <a:shade val="50000"/>
+              </a:schemeClr>
+            </a:lnRef>
+            <a:fillRef idx="1">
+              <a:schemeClr val="accent1"/>
+            </a:fillRef>
+            <a:effectRef idx="0">
+              <a:schemeClr val="accent1"/>
+            </a:effectRef>
+            <a:fontRef idx="minor">
+              <a:schemeClr val="lt1"/>
+            </a:fontRef>
+          </p:style>
+          <p:txBody>
+            <a:bodyPr rtlCol="0" anchor="ctr"/>
+            <a:lstStyle/>
+            <a:p>
+              <a:pPr algn="ctr"/>
+              <a:endParaRPr kumimoji="1" lang="zh-CN" altLang="en-US"/>
+            </a:p>
+          </p:txBody>
+        </p:sp>
+        <p:sp>
+          <p:nvSpPr>
+            <p:cNvPr id="11" name="矩形 10">
+              <a:extLst>
+                <a:ext uri="{FF2B5EF4-FFF2-40B4-BE49-F238E27FC236}">
+                  <a16:creationId xmlns:a16="http://schemas.microsoft.com/office/drawing/2014/main" id="{C0F57EE0-9C97-C34F-B377-7F9DBCB5D8D2}"/>
+                </a:ext>
+              </a:extLst>
+            </p:cNvPr>
+            <p:cNvSpPr/>
+            <p:nvPr/>
+          </p:nvSpPr>
+          <p:spPr>
+            <a:xfrm>
+              <a:off x="1284514" y="2231571"/>
+              <a:ext cx="424543" cy="424543"/>
+            </a:xfrm>
+            <a:prstGeom prst="rect">
+              <a:avLst/>
+            </a:prstGeom>
+            <a:noFill/>
+            <a:ln>
+              <a:solidFill>
+                <a:schemeClr val="tx1"/>
+              </a:solidFill>
+            </a:ln>
+          </p:spPr>
+          <p:style>
+            <a:lnRef idx="2">
+              <a:schemeClr val="accent1">
+                <a:shade val="50000"/>
+              </a:schemeClr>
+            </a:lnRef>
+            <a:fillRef idx="1">
+              <a:schemeClr val="accent1"/>
+            </a:fillRef>
+            <a:effectRef idx="0">
+              <a:schemeClr val="accent1"/>
+            </a:effectRef>
+            <a:fontRef idx="minor">
+              <a:schemeClr val="lt1"/>
+            </a:fontRef>
+          </p:style>
+          <p:txBody>
+            <a:bodyPr rtlCol="0" anchor="ctr"/>
+            <a:lstStyle/>
+            <a:p>
+              <a:pPr algn="ctr"/>
+              <a:endParaRPr kumimoji="1" lang="zh-CN" altLang="en-US"/>
+            </a:p>
+          </p:txBody>
+        </p:sp>
+        <p:sp>
+          <p:nvSpPr>
+            <p:cNvPr id="12" name="矩形 11">
+              <a:extLst>
+                <a:ext uri="{FF2B5EF4-FFF2-40B4-BE49-F238E27FC236}">
+                  <a16:creationId xmlns:a16="http://schemas.microsoft.com/office/drawing/2014/main" id="{8E55F4CA-E5BB-C54A-8C97-9F0CBD5912F3}"/>
+                </a:ext>
+              </a:extLst>
+            </p:cNvPr>
+            <p:cNvSpPr/>
+            <p:nvPr/>
+          </p:nvSpPr>
+          <p:spPr>
+            <a:xfrm>
+              <a:off x="1284514" y="2656114"/>
+              <a:ext cx="424543" cy="424543"/>
+            </a:xfrm>
+            <a:prstGeom prst="rect">
+              <a:avLst/>
+            </a:prstGeom>
+            <a:noFill/>
+            <a:ln>
+              <a:solidFill>
+                <a:schemeClr val="tx1"/>
+              </a:solidFill>
+            </a:ln>
+          </p:spPr>
+          <p:style>
+            <a:lnRef idx="2">
+              <a:schemeClr val="accent1">
+                <a:shade val="50000"/>
+              </a:schemeClr>
+            </a:lnRef>
+            <a:fillRef idx="1">
+              <a:schemeClr val="accent1"/>
+            </a:fillRef>
+            <a:effectRef idx="0">
+              <a:schemeClr val="accent1"/>
+            </a:effectRef>
+            <a:fontRef idx="minor">
+              <a:schemeClr val="lt1"/>
+            </a:fontRef>
+          </p:style>
+          <p:txBody>
+            <a:bodyPr rtlCol="0" anchor="ctr"/>
+            <a:lstStyle/>
+            <a:p>
+              <a:pPr algn="ctr"/>
+              <a:endParaRPr kumimoji="1" lang="zh-CN" altLang="en-US"/>
+            </a:p>
+          </p:txBody>
+        </p:sp>
+      </p:grpSp>
+      <p:grpSp>
+        <p:nvGrpSpPr>
+          <p:cNvPr id="29" name="组合 28">
+            <a:extLst>
+              <a:ext uri="{FF2B5EF4-FFF2-40B4-BE49-F238E27FC236}">
+                <a16:creationId xmlns:a16="http://schemas.microsoft.com/office/drawing/2014/main" id="{D25941ED-2300-4741-8ED4-2D79F786F2D0}"/>
+              </a:ext>
+            </a:extLst>
+          </p:cNvPr>
+          <p:cNvGrpSpPr/>
+          <p:nvPr/>
+        </p:nvGrpSpPr>
+        <p:grpSpPr>
+          <a:xfrm>
+            <a:off x="8828313" y="1959428"/>
+            <a:ext cx="424543" cy="849086"/>
+            <a:chOff x="8828313" y="1959428"/>
+            <a:chExt cx="424543" cy="849086"/>
+          </a:xfrm>
+        </p:grpSpPr>
+        <p:sp>
+          <p:nvSpPr>
+            <p:cNvPr id="25" name="矩形 24">
+              <a:extLst>
+                <a:ext uri="{FF2B5EF4-FFF2-40B4-BE49-F238E27FC236}">
+                  <a16:creationId xmlns:a16="http://schemas.microsoft.com/office/drawing/2014/main" id="{C6776E24-DCC0-F34E-99DD-E29C48D44F83}"/>
+                </a:ext>
+              </a:extLst>
+            </p:cNvPr>
+            <p:cNvSpPr/>
+            <p:nvPr/>
+          </p:nvSpPr>
+          <p:spPr>
+            <a:xfrm>
+              <a:off x="8828313" y="1959428"/>
+              <a:ext cx="424543" cy="424543"/>
+            </a:xfrm>
+            <a:prstGeom prst="rect">
+              <a:avLst/>
+            </a:prstGeom>
+            <a:noFill/>
+            <a:ln>
+              <a:solidFill>
+                <a:schemeClr val="tx1"/>
+              </a:solidFill>
+            </a:ln>
+          </p:spPr>
+          <p:style>
+            <a:lnRef idx="2">
+              <a:schemeClr val="accent1">
+                <a:shade val="50000"/>
+              </a:schemeClr>
+            </a:lnRef>
+            <a:fillRef idx="1">
+              <a:schemeClr val="accent1"/>
+            </a:fillRef>
+            <a:effectRef idx="0">
+              <a:schemeClr val="accent1"/>
+            </a:effectRef>
+            <a:fontRef idx="minor">
+              <a:schemeClr val="lt1"/>
+            </a:fontRef>
+          </p:style>
+          <p:txBody>
+            <a:bodyPr rtlCol="0" anchor="ctr"/>
+            <a:lstStyle/>
+            <a:p>
+              <a:pPr algn="ctr"/>
+              <a:endParaRPr kumimoji="1" lang="zh-CN" altLang="en-US"/>
+            </a:p>
+          </p:txBody>
+        </p:sp>
+        <p:sp>
+          <p:nvSpPr>
+            <p:cNvPr id="26" name="矩形 25">
+              <a:extLst>
+                <a:ext uri="{FF2B5EF4-FFF2-40B4-BE49-F238E27FC236}">
+                  <a16:creationId xmlns:a16="http://schemas.microsoft.com/office/drawing/2014/main" id="{1A3F4AEA-34E4-EF46-AED6-D82527667A1A}"/>
+                </a:ext>
+              </a:extLst>
+            </p:cNvPr>
+            <p:cNvSpPr/>
+            <p:nvPr/>
+          </p:nvSpPr>
+          <p:spPr>
+            <a:xfrm>
+              <a:off x="8828313" y="2383971"/>
+              <a:ext cx="424543" cy="424543"/>
+            </a:xfrm>
+            <a:prstGeom prst="rect">
+              <a:avLst/>
+            </a:prstGeom>
+            <a:noFill/>
+            <a:ln>
+              <a:solidFill>
+                <a:schemeClr val="tx1"/>
+              </a:solidFill>
+            </a:ln>
+          </p:spPr>
+          <p:style>
+            <a:lnRef idx="2">
+              <a:schemeClr val="accent1">
+                <a:shade val="50000"/>
+              </a:schemeClr>
+            </a:lnRef>
+            <a:fillRef idx="1">
+              <a:schemeClr val="accent1"/>
+            </a:fillRef>
+            <a:effectRef idx="0">
+              <a:schemeClr val="accent1"/>
+            </a:effectRef>
+            <a:fontRef idx="minor">
+              <a:schemeClr val="lt1"/>
+            </a:fontRef>
+          </p:style>
+          <p:txBody>
+            <a:bodyPr rtlCol="0" anchor="ctr"/>
+            <a:lstStyle/>
+            <a:p>
+              <a:pPr algn="ctr"/>
+              <a:endParaRPr kumimoji="1" lang="zh-CN" altLang="en-US"/>
+            </a:p>
+          </p:txBody>
+        </p:sp>
+      </p:grpSp>
+      <p:cxnSp>
+        <p:nvCxnSpPr>
+          <p:cNvPr id="31" name="直线箭头连接符 30">
+            <a:extLst>
+              <a:ext uri="{FF2B5EF4-FFF2-40B4-BE49-F238E27FC236}">
+                <a16:creationId xmlns:a16="http://schemas.microsoft.com/office/drawing/2014/main" id="{E84A7FB2-1CB1-5F4B-9CF5-8CD076CD6134}"/>
+              </a:ext>
+            </a:extLst>
+          </p:cNvPr>
+          <p:cNvCxnSpPr>
+            <a:stCxn id="9" idx="3"/>
+            <a:endCxn id="3" idx="1"/>
+          </p:cNvCxnSpPr>
+          <p:nvPr/>
+        </p:nvCxnSpPr>
+        <p:spPr>
+          <a:xfrm>
+            <a:off x="1861457" y="1747157"/>
+            <a:ext cx="1153886" cy="0"/>
+          </a:xfrm>
+          <a:prstGeom prst="straightConnector1">
+            <a:avLst/>
+          </a:prstGeom>
+          <a:ln>
+            <a:solidFill>
+              <a:schemeClr val="tx1"/>
+            </a:solidFill>
+            <a:tailEnd type="triangle"/>
+          </a:ln>
+        </p:spPr>
+        <p:style>
+          <a:lnRef idx="1">
+            <a:schemeClr val="accent1"/>
+          </a:lnRef>
+          <a:fillRef idx="0">
+            <a:schemeClr val="accent1"/>
+          </a:fillRef>
+          <a:effectRef idx="0">
+            <a:schemeClr val="accent1"/>
+          </a:effectRef>
+          <a:fontRef idx="minor">
+            <a:schemeClr val="tx1"/>
+          </a:fontRef>
+        </p:style>
+      </p:cxnSp>
+      <p:cxnSp>
+        <p:nvCxnSpPr>
+          <p:cNvPr id="33" name="直线箭头连接符 32">
+            <a:extLst>
+              <a:ext uri="{FF2B5EF4-FFF2-40B4-BE49-F238E27FC236}">
+                <a16:creationId xmlns:a16="http://schemas.microsoft.com/office/drawing/2014/main" id="{F6576B28-6C86-EE4E-9F38-2D4C84D28B89}"/>
+              </a:ext>
+            </a:extLst>
+          </p:cNvPr>
+          <p:cNvCxnSpPr>
+            <a:stCxn id="9" idx="3"/>
+            <a:endCxn id="4" idx="1"/>
+          </p:cNvCxnSpPr>
+          <p:nvPr/>
+        </p:nvCxnSpPr>
+        <p:spPr>
+          <a:xfrm>
+            <a:off x="1861457" y="1747157"/>
+            <a:ext cx="1153886" cy="424543"/>
+          </a:xfrm>
+          <a:prstGeom prst="straightConnector1">
+            <a:avLst/>
+          </a:prstGeom>
+          <a:ln>
+            <a:solidFill>
+              <a:schemeClr val="tx1"/>
+            </a:solidFill>
+            <a:tailEnd type="triangle"/>
+          </a:ln>
+        </p:spPr>
+        <p:style>
+          <a:lnRef idx="1">
+            <a:schemeClr val="accent1"/>
+          </a:lnRef>
+          <a:fillRef idx="0">
+            <a:schemeClr val="accent1"/>
+          </a:fillRef>
+          <a:effectRef idx="0">
+            <a:schemeClr val="accent1"/>
+          </a:effectRef>
+          <a:fontRef idx="minor">
+            <a:schemeClr val="tx1"/>
+          </a:fontRef>
+        </p:style>
+      </p:cxnSp>
+      <p:cxnSp>
+        <p:nvCxnSpPr>
+          <p:cNvPr id="35" name="直线箭头连接符 34">
+            <a:extLst>
+              <a:ext uri="{FF2B5EF4-FFF2-40B4-BE49-F238E27FC236}">
+                <a16:creationId xmlns:a16="http://schemas.microsoft.com/office/drawing/2014/main" id="{7F0D85E6-BE09-774C-901E-4591080720C8}"/>
+              </a:ext>
+            </a:extLst>
+          </p:cNvPr>
+          <p:cNvCxnSpPr>
+            <a:stCxn id="9" idx="3"/>
+            <a:endCxn id="5" idx="1"/>
+          </p:cNvCxnSpPr>
+          <p:nvPr/>
+        </p:nvCxnSpPr>
+        <p:spPr>
+          <a:xfrm>
+            <a:off x="1861457" y="1747157"/>
+            <a:ext cx="1153886" cy="849086"/>
+          </a:xfrm>
+          <a:prstGeom prst="straightConnector1">
+            <a:avLst/>
+          </a:prstGeom>
+          <a:ln>
+            <a:solidFill>
+              <a:schemeClr val="tx1"/>
+            </a:solidFill>
+            <a:tailEnd type="triangle"/>
+          </a:ln>
+        </p:spPr>
+        <p:style>
+          <a:lnRef idx="1">
+            <a:schemeClr val="accent1"/>
+          </a:lnRef>
+          <a:fillRef idx="0">
+            <a:schemeClr val="accent1"/>
+          </a:fillRef>
+          <a:effectRef idx="0">
+            <a:schemeClr val="accent1"/>
+          </a:effectRef>
+          <a:fontRef idx="minor">
+            <a:schemeClr val="tx1"/>
+          </a:fontRef>
+        </p:style>
+      </p:cxnSp>
+      <p:cxnSp>
+        <p:nvCxnSpPr>
+          <p:cNvPr id="37" name="直线箭头连接符 36">
+            <a:extLst>
+              <a:ext uri="{FF2B5EF4-FFF2-40B4-BE49-F238E27FC236}">
+                <a16:creationId xmlns:a16="http://schemas.microsoft.com/office/drawing/2014/main" id="{CB43D48C-DE0B-9D46-A2C1-CC0FBB4F36E2}"/>
+              </a:ext>
+            </a:extLst>
+          </p:cNvPr>
+          <p:cNvCxnSpPr>
+            <a:stCxn id="9" idx="3"/>
+            <a:endCxn id="6" idx="1"/>
+          </p:cNvCxnSpPr>
+          <p:nvPr/>
+        </p:nvCxnSpPr>
+        <p:spPr>
+          <a:xfrm>
+            <a:off x="1861457" y="1747157"/>
+            <a:ext cx="1153886" cy="1273629"/>
+          </a:xfrm>
+          <a:prstGeom prst="straightConnector1">
+            <a:avLst/>
+          </a:prstGeom>
+          <a:ln>
+            <a:solidFill>
+              <a:schemeClr val="tx1"/>
+            </a:solidFill>
+            <a:tailEnd type="triangle"/>
+          </a:ln>
+        </p:spPr>
+        <p:style>
+          <a:lnRef idx="1">
+            <a:schemeClr val="accent1"/>
+          </a:lnRef>
+          <a:fillRef idx="0">
+            <a:schemeClr val="accent1"/>
+          </a:fillRef>
+          <a:effectRef idx="0">
+            <a:schemeClr val="accent1"/>
+          </a:effectRef>
+          <a:fontRef idx="minor">
+            <a:schemeClr val="tx1"/>
+          </a:fontRef>
+        </p:style>
+      </p:cxnSp>
+      <p:cxnSp>
+        <p:nvCxnSpPr>
+          <p:cNvPr id="39" name="直线箭头连接符 38">
+            <a:extLst>
+              <a:ext uri="{FF2B5EF4-FFF2-40B4-BE49-F238E27FC236}">
+                <a16:creationId xmlns:a16="http://schemas.microsoft.com/office/drawing/2014/main" id="{A19DD054-8A5F-AC4E-ADE9-1156D2EC9FC9}"/>
+              </a:ext>
+            </a:extLst>
+          </p:cNvPr>
+          <p:cNvCxnSpPr>
+            <a:stCxn id="10" idx="3"/>
+            <a:endCxn id="3" idx="1"/>
+          </p:cNvCxnSpPr>
+          <p:nvPr/>
+        </p:nvCxnSpPr>
+        <p:spPr>
+          <a:xfrm flipV="1">
+            <a:off x="1861457" y="1747157"/>
+            <a:ext cx="1153886" cy="424543"/>
+          </a:xfrm>
+          <a:prstGeom prst="straightConnector1">
+            <a:avLst/>
+          </a:prstGeom>
+          <a:ln>
+            <a:solidFill>
+              <a:schemeClr val="tx1"/>
+            </a:solidFill>
+            <a:tailEnd type="triangle"/>
+          </a:ln>
+        </p:spPr>
+        <p:style>
+          <a:lnRef idx="1">
+            <a:schemeClr val="accent1"/>
+          </a:lnRef>
+          <a:fillRef idx="0">
+            <a:schemeClr val="accent1"/>
+          </a:fillRef>
+          <a:effectRef idx="0">
+            <a:schemeClr val="accent1"/>
+          </a:effectRef>
+          <a:fontRef idx="minor">
+            <a:schemeClr val="tx1"/>
+          </a:fontRef>
+        </p:style>
+      </p:cxnSp>
+      <p:cxnSp>
+        <p:nvCxnSpPr>
+          <p:cNvPr id="41" name="直线箭头连接符 40">
+            <a:extLst>
+              <a:ext uri="{FF2B5EF4-FFF2-40B4-BE49-F238E27FC236}">
+                <a16:creationId xmlns:a16="http://schemas.microsoft.com/office/drawing/2014/main" id="{E5E75455-70CD-304A-BA2E-600AAA21F0D5}"/>
+              </a:ext>
+            </a:extLst>
+          </p:cNvPr>
+          <p:cNvCxnSpPr>
+            <a:stCxn id="10" idx="3"/>
+            <a:endCxn id="4" idx="1"/>
+          </p:cNvCxnSpPr>
+          <p:nvPr/>
+        </p:nvCxnSpPr>
+        <p:spPr>
+          <a:xfrm>
+            <a:off x="1861457" y="2171700"/>
+            <a:ext cx="1153886" cy="0"/>
+          </a:xfrm>
+          <a:prstGeom prst="straightConnector1">
+            <a:avLst/>
+          </a:prstGeom>
+          <a:ln>
+            <a:solidFill>
+              <a:schemeClr val="tx1"/>
+            </a:solidFill>
+            <a:tailEnd type="triangle"/>
+          </a:ln>
+        </p:spPr>
+        <p:style>
+          <a:lnRef idx="1">
+            <a:schemeClr val="accent1"/>
+          </a:lnRef>
+          <a:fillRef idx="0">
+            <a:schemeClr val="accent1"/>
+          </a:fillRef>
+          <a:effectRef idx="0">
+            <a:schemeClr val="accent1"/>
+          </a:effectRef>
+          <a:fontRef idx="minor">
+            <a:schemeClr val="tx1"/>
+          </a:fontRef>
+        </p:style>
+      </p:cxnSp>
+      <p:cxnSp>
+        <p:nvCxnSpPr>
+          <p:cNvPr id="43" name="直线箭头连接符 42">
+            <a:extLst>
+              <a:ext uri="{FF2B5EF4-FFF2-40B4-BE49-F238E27FC236}">
+                <a16:creationId xmlns:a16="http://schemas.microsoft.com/office/drawing/2014/main" id="{9D4AE7F6-BCC3-F740-8247-02CE468D30A3}"/>
+              </a:ext>
+            </a:extLst>
+          </p:cNvPr>
+          <p:cNvCxnSpPr>
+            <a:stCxn id="10" idx="3"/>
+            <a:endCxn id="5" idx="1"/>
+          </p:cNvCxnSpPr>
+          <p:nvPr/>
+        </p:nvCxnSpPr>
+        <p:spPr>
+          <a:xfrm>
+            <a:off x="1861457" y="2171700"/>
+            <a:ext cx="1153886" cy="424543"/>
+          </a:xfrm>
+          <a:prstGeom prst="straightConnector1">
+            <a:avLst/>
+          </a:prstGeom>
+          <a:ln>
+            <a:solidFill>
+              <a:schemeClr val="tx1"/>
+            </a:solidFill>
+            <a:tailEnd type="triangle"/>
+          </a:ln>
+        </p:spPr>
+        <p:style>
+          <a:lnRef idx="1">
+            <a:schemeClr val="accent1"/>
+          </a:lnRef>
+          <a:fillRef idx="0">
+            <a:schemeClr val="accent1"/>
+          </a:fillRef>
+          <a:effectRef idx="0">
+            <a:schemeClr val="accent1"/>
+          </a:effectRef>
+          <a:fontRef idx="minor">
+            <a:schemeClr val="tx1"/>
+          </a:fontRef>
+        </p:style>
+      </p:cxnSp>
+      <p:cxnSp>
+        <p:nvCxnSpPr>
+          <p:cNvPr id="45" name="直线箭头连接符 44">
+            <a:extLst>
+              <a:ext uri="{FF2B5EF4-FFF2-40B4-BE49-F238E27FC236}">
+                <a16:creationId xmlns:a16="http://schemas.microsoft.com/office/drawing/2014/main" id="{C999FF9C-2E5F-CC44-B146-2D17466E3CAB}"/>
+              </a:ext>
+            </a:extLst>
+          </p:cNvPr>
+          <p:cNvCxnSpPr>
+            <a:stCxn id="10" idx="3"/>
+            <a:endCxn id="6" idx="1"/>
+          </p:cNvCxnSpPr>
+          <p:nvPr/>
+        </p:nvCxnSpPr>
+        <p:spPr>
+          <a:xfrm>
+            <a:off x="1861457" y="2171700"/>
+            <a:ext cx="1153886" cy="849086"/>
+          </a:xfrm>
+          <a:prstGeom prst="straightConnector1">
+            <a:avLst/>
+          </a:prstGeom>
+          <a:ln>
+            <a:solidFill>
+              <a:schemeClr val="tx1"/>
+            </a:solidFill>
+            <a:tailEnd type="triangle"/>
+          </a:ln>
+        </p:spPr>
+        <p:style>
+          <a:lnRef idx="1">
+            <a:schemeClr val="accent1"/>
+          </a:lnRef>
+          <a:fillRef idx="0">
+            <a:schemeClr val="accent1"/>
+          </a:fillRef>
+          <a:effectRef idx="0">
+            <a:schemeClr val="accent1"/>
+          </a:effectRef>
+          <a:fontRef idx="minor">
+            <a:schemeClr val="tx1"/>
+          </a:fontRef>
+        </p:style>
+      </p:cxnSp>
+      <p:cxnSp>
+        <p:nvCxnSpPr>
+          <p:cNvPr id="47" name="直线箭头连接符 46">
+            <a:extLst>
+              <a:ext uri="{FF2B5EF4-FFF2-40B4-BE49-F238E27FC236}">
+                <a16:creationId xmlns:a16="http://schemas.microsoft.com/office/drawing/2014/main" id="{107AAF56-85C3-2349-A86D-D5354C6DCB6B}"/>
+              </a:ext>
+            </a:extLst>
+          </p:cNvPr>
+          <p:cNvCxnSpPr>
+            <a:stCxn id="11" idx="3"/>
+            <a:endCxn id="3" idx="1"/>
+          </p:cNvCxnSpPr>
+          <p:nvPr/>
+        </p:nvCxnSpPr>
+        <p:spPr>
+          <a:xfrm flipV="1">
+            <a:off x="1861457" y="1747157"/>
+            <a:ext cx="1153886" cy="849086"/>
+          </a:xfrm>
+          <a:prstGeom prst="straightConnector1">
+            <a:avLst/>
+          </a:prstGeom>
+          <a:ln>
+            <a:solidFill>
+              <a:schemeClr val="tx1"/>
+            </a:solidFill>
+            <a:tailEnd type="triangle"/>
+          </a:ln>
+        </p:spPr>
+        <p:style>
+          <a:lnRef idx="1">
+            <a:schemeClr val="accent1"/>
+          </a:lnRef>
+          <a:fillRef idx="0">
+            <a:schemeClr val="accent1"/>
+          </a:fillRef>
+          <a:effectRef idx="0">
+            <a:schemeClr val="accent1"/>
+          </a:effectRef>
+          <a:fontRef idx="minor">
+            <a:schemeClr val="tx1"/>
+          </a:fontRef>
+        </p:style>
+      </p:cxnSp>
+      <p:cxnSp>
+        <p:nvCxnSpPr>
+          <p:cNvPr id="49" name="直线箭头连接符 48">
+            <a:extLst>
+              <a:ext uri="{FF2B5EF4-FFF2-40B4-BE49-F238E27FC236}">
+                <a16:creationId xmlns:a16="http://schemas.microsoft.com/office/drawing/2014/main" id="{0B6003BC-BFC6-0D44-BA6C-AF6E53C08F47}"/>
+              </a:ext>
+            </a:extLst>
+          </p:cNvPr>
+          <p:cNvCxnSpPr>
+            <a:cxnSpLocks/>
+            <a:stCxn id="11" idx="3"/>
+            <a:endCxn id="4" idx="1"/>
+          </p:cNvCxnSpPr>
+          <p:nvPr/>
+        </p:nvCxnSpPr>
+        <p:spPr>
+          <a:xfrm flipV="1">
+            <a:off x="1861457" y="2171700"/>
+            <a:ext cx="1153886" cy="424543"/>
+          </a:xfrm>
+          <a:prstGeom prst="straightConnector1">
+            <a:avLst/>
+          </a:prstGeom>
+          <a:ln>
+            <a:solidFill>
+              <a:schemeClr val="tx1"/>
+            </a:solidFill>
+            <a:tailEnd type="triangle"/>
+          </a:ln>
+        </p:spPr>
+        <p:style>
+          <a:lnRef idx="1">
+            <a:schemeClr val="accent1"/>
+          </a:lnRef>
+          <a:fillRef idx="0">
+            <a:schemeClr val="accent1"/>
+          </a:fillRef>
+          <a:effectRef idx="0">
+            <a:schemeClr val="accent1"/>
+          </a:effectRef>
+          <a:fontRef idx="minor">
+            <a:schemeClr val="tx1"/>
+          </a:fontRef>
+        </p:style>
+      </p:cxnSp>
+      <p:cxnSp>
+        <p:nvCxnSpPr>
+          <p:cNvPr id="52" name="直线箭头连接符 51">
+            <a:extLst>
+              <a:ext uri="{FF2B5EF4-FFF2-40B4-BE49-F238E27FC236}">
+                <a16:creationId xmlns:a16="http://schemas.microsoft.com/office/drawing/2014/main" id="{3F7BE236-00FC-4D42-8C18-DC59E5DCB227}"/>
+              </a:ext>
+            </a:extLst>
+          </p:cNvPr>
+          <p:cNvCxnSpPr>
+            <a:stCxn id="11" idx="3"/>
+            <a:endCxn id="5" idx="1"/>
+          </p:cNvCxnSpPr>
+          <p:nvPr/>
+        </p:nvCxnSpPr>
+        <p:spPr>
+          <a:xfrm>
+            <a:off x="1861457" y="2596243"/>
+            <a:ext cx="1153886" cy="0"/>
+          </a:xfrm>
+          <a:prstGeom prst="straightConnector1">
+            <a:avLst/>
+          </a:prstGeom>
+          <a:ln>
+            <a:solidFill>
+              <a:schemeClr val="tx1"/>
+            </a:solidFill>
+            <a:tailEnd type="triangle"/>
+          </a:ln>
+        </p:spPr>
+        <p:style>
+          <a:lnRef idx="1">
+            <a:schemeClr val="accent1"/>
+          </a:lnRef>
+          <a:fillRef idx="0">
+            <a:schemeClr val="accent1"/>
+          </a:fillRef>
+          <a:effectRef idx="0">
+            <a:schemeClr val="accent1"/>
+          </a:effectRef>
+          <a:fontRef idx="minor">
+            <a:schemeClr val="tx1"/>
+          </a:fontRef>
+        </p:style>
+      </p:cxnSp>
+      <p:cxnSp>
+        <p:nvCxnSpPr>
+          <p:cNvPr id="54" name="直线箭头连接符 53">
+            <a:extLst>
+              <a:ext uri="{FF2B5EF4-FFF2-40B4-BE49-F238E27FC236}">
+                <a16:creationId xmlns:a16="http://schemas.microsoft.com/office/drawing/2014/main" id="{77D845F3-642F-714C-AF78-9C5467EBF1E8}"/>
+              </a:ext>
+            </a:extLst>
+          </p:cNvPr>
+          <p:cNvCxnSpPr>
+            <a:stCxn id="11" idx="3"/>
+            <a:endCxn id="6" idx="1"/>
+          </p:cNvCxnSpPr>
+          <p:nvPr/>
+        </p:nvCxnSpPr>
+        <p:spPr>
+          <a:xfrm>
+            <a:off x="1861457" y="2596243"/>
+            <a:ext cx="1153886" cy="424543"/>
+          </a:xfrm>
+          <a:prstGeom prst="straightConnector1">
+            <a:avLst/>
+          </a:prstGeom>
+          <a:ln>
+            <a:solidFill>
+              <a:schemeClr val="tx1"/>
+            </a:solidFill>
+            <a:tailEnd type="triangle"/>
+          </a:ln>
+        </p:spPr>
+        <p:style>
+          <a:lnRef idx="1">
+            <a:schemeClr val="accent1"/>
+          </a:lnRef>
+          <a:fillRef idx="0">
+            <a:schemeClr val="accent1"/>
+          </a:fillRef>
+          <a:effectRef idx="0">
+            <a:schemeClr val="accent1"/>
+          </a:effectRef>
+          <a:fontRef idx="minor">
+            <a:schemeClr val="tx1"/>
+          </a:fontRef>
+        </p:style>
+      </p:cxnSp>
+      <p:cxnSp>
+        <p:nvCxnSpPr>
+          <p:cNvPr id="56" name="直线箭头连接符 55">
+            <a:extLst>
+              <a:ext uri="{FF2B5EF4-FFF2-40B4-BE49-F238E27FC236}">
+                <a16:creationId xmlns:a16="http://schemas.microsoft.com/office/drawing/2014/main" id="{3433DCCD-56F0-7140-A2E9-83DA84FCB1E0}"/>
+              </a:ext>
+            </a:extLst>
+          </p:cNvPr>
+          <p:cNvCxnSpPr>
+            <a:stCxn id="12" idx="3"/>
+            <a:endCxn id="6" idx="1"/>
+          </p:cNvCxnSpPr>
+          <p:nvPr/>
+        </p:nvCxnSpPr>
+        <p:spPr>
+          <a:xfrm>
+            <a:off x="1861457" y="3020786"/>
+            <a:ext cx="1153886" cy="0"/>
+          </a:xfrm>
+          <a:prstGeom prst="straightConnector1">
+            <a:avLst/>
+          </a:prstGeom>
+          <a:ln>
+            <a:solidFill>
+              <a:schemeClr val="tx1"/>
+            </a:solidFill>
+            <a:tailEnd type="triangle"/>
+          </a:ln>
+        </p:spPr>
+        <p:style>
+          <a:lnRef idx="1">
+            <a:schemeClr val="accent1"/>
+          </a:lnRef>
+          <a:fillRef idx="0">
+            <a:schemeClr val="accent1"/>
+          </a:fillRef>
+          <a:effectRef idx="0">
+            <a:schemeClr val="accent1"/>
+          </a:effectRef>
+          <a:fontRef idx="minor">
+            <a:schemeClr val="tx1"/>
+          </a:fontRef>
+        </p:style>
+      </p:cxnSp>
+      <p:cxnSp>
+        <p:nvCxnSpPr>
+          <p:cNvPr id="58" name="直线箭头连接符 57">
+            <a:extLst>
+              <a:ext uri="{FF2B5EF4-FFF2-40B4-BE49-F238E27FC236}">
+                <a16:creationId xmlns:a16="http://schemas.microsoft.com/office/drawing/2014/main" id="{62FED685-091A-7147-BF72-CF43A08E6DD1}"/>
+              </a:ext>
+            </a:extLst>
+          </p:cNvPr>
+          <p:cNvCxnSpPr>
+            <a:stCxn id="12" idx="3"/>
+            <a:endCxn id="5" idx="1"/>
+          </p:cNvCxnSpPr>
+          <p:nvPr/>
+        </p:nvCxnSpPr>
+        <p:spPr>
+          <a:xfrm flipV="1">
+            <a:off x="1861457" y="2596243"/>
+            <a:ext cx="1153886" cy="424543"/>
+          </a:xfrm>
+          <a:prstGeom prst="straightConnector1">
+            <a:avLst/>
+          </a:prstGeom>
+          <a:ln>
+            <a:solidFill>
+              <a:schemeClr val="tx1"/>
+            </a:solidFill>
+            <a:tailEnd type="triangle"/>
+          </a:ln>
+        </p:spPr>
+        <p:style>
+          <a:lnRef idx="1">
+            <a:schemeClr val="accent1"/>
+          </a:lnRef>
+          <a:fillRef idx="0">
+            <a:schemeClr val="accent1"/>
+          </a:fillRef>
+          <a:effectRef idx="0">
+            <a:schemeClr val="accent1"/>
+          </a:effectRef>
+          <a:fontRef idx="minor">
+            <a:schemeClr val="tx1"/>
+          </a:fontRef>
+        </p:style>
+      </p:cxnSp>
+      <p:cxnSp>
+        <p:nvCxnSpPr>
+          <p:cNvPr id="60" name="直线箭头连接符 59">
+            <a:extLst>
+              <a:ext uri="{FF2B5EF4-FFF2-40B4-BE49-F238E27FC236}">
+                <a16:creationId xmlns:a16="http://schemas.microsoft.com/office/drawing/2014/main" id="{48E45F38-B763-F146-92EA-AF1AC5D8BCA8}"/>
+              </a:ext>
+            </a:extLst>
+          </p:cNvPr>
+          <p:cNvCxnSpPr>
+            <a:stCxn id="12" idx="3"/>
+            <a:endCxn id="4" idx="1"/>
+          </p:cNvCxnSpPr>
+          <p:nvPr/>
+        </p:nvCxnSpPr>
+        <p:spPr>
+          <a:xfrm flipV="1">
+            <a:off x="1861457" y="2171700"/>
+            <a:ext cx="1153886" cy="849086"/>
+          </a:xfrm>
+          <a:prstGeom prst="straightConnector1">
+            <a:avLst/>
+          </a:prstGeom>
+          <a:ln>
+            <a:solidFill>
+              <a:schemeClr val="tx1"/>
+            </a:solidFill>
+            <a:tailEnd type="triangle"/>
+          </a:ln>
+        </p:spPr>
+        <p:style>
+          <a:lnRef idx="1">
+            <a:schemeClr val="accent1"/>
+          </a:lnRef>
+          <a:fillRef idx="0">
+            <a:schemeClr val="accent1"/>
+          </a:fillRef>
+          <a:effectRef idx="0">
+            <a:schemeClr val="accent1"/>
+          </a:effectRef>
+          <a:fontRef idx="minor">
+            <a:schemeClr val="tx1"/>
+          </a:fontRef>
+        </p:style>
+      </p:cxnSp>
+      <p:cxnSp>
+        <p:nvCxnSpPr>
+          <p:cNvPr id="62" name="直线箭头连接符 61">
+            <a:extLst>
+              <a:ext uri="{FF2B5EF4-FFF2-40B4-BE49-F238E27FC236}">
+                <a16:creationId xmlns:a16="http://schemas.microsoft.com/office/drawing/2014/main" id="{7C223FA5-9282-6745-B9D0-C66159956BA2}"/>
+              </a:ext>
+            </a:extLst>
+          </p:cNvPr>
+          <p:cNvCxnSpPr>
+            <a:stCxn id="12" idx="3"/>
+            <a:endCxn id="3" idx="1"/>
+          </p:cNvCxnSpPr>
+          <p:nvPr/>
+        </p:nvCxnSpPr>
+        <p:spPr>
+          <a:xfrm flipV="1">
+            <a:off x="1861457" y="1747157"/>
+            <a:ext cx="1153886" cy="1273629"/>
+          </a:xfrm>
+          <a:prstGeom prst="straightConnector1">
+            <a:avLst/>
+          </a:prstGeom>
+          <a:ln>
+            <a:solidFill>
+              <a:schemeClr val="tx1"/>
+            </a:solidFill>
+            <a:tailEnd type="triangle"/>
+          </a:ln>
+        </p:spPr>
+        <p:style>
+          <a:lnRef idx="1">
+            <a:schemeClr val="accent1"/>
+          </a:lnRef>
+          <a:fillRef idx="0">
+            <a:schemeClr val="accent1"/>
+          </a:fillRef>
+          <a:effectRef idx="0">
+            <a:schemeClr val="accent1"/>
+          </a:effectRef>
+          <a:fontRef idx="minor">
+            <a:schemeClr val="tx1"/>
+          </a:fontRef>
+        </p:style>
+      </p:cxnSp>
+      <p:grpSp>
+        <p:nvGrpSpPr>
+          <p:cNvPr id="63" name="组合 62">
+            <a:extLst>
+              <a:ext uri="{FF2B5EF4-FFF2-40B4-BE49-F238E27FC236}">
+                <a16:creationId xmlns:a16="http://schemas.microsoft.com/office/drawing/2014/main" id="{AC40E9E9-2F1C-BE4D-A485-0010D08A79E6}"/>
+              </a:ext>
+            </a:extLst>
+          </p:cNvPr>
+          <p:cNvGrpSpPr/>
+          <p:nvPr/>
+        </p:nvGrpSpPr>
+        <p:grpSpPr>
+          <a:xfrm>
+            <a:off x="7249884" y="1534885"/>
+            <a:ext cx="424543" cy="1698172"/>
+            <a:chOff x="1284514" y="1382485"/>
+            <a:chExt cx="424543" cy="1698172"/>
+          </a:xfrm>
+        </p:grpSpPr>
+        <p:sp>
+          <p:nvSpPr>
+            <p:cNvPr id="64" name="矩形 63">
+              <a:extLst>
+                <a:ext uri="{FF2B5EF4-FFF2-40B4-BE49-F238E27FC236}">
+                  <a16:creationId xmlns:a16="http://schemas.microsoft.com/office/drawing/2014/main" id="{B7C7F4CE-00D2-C44B-AA97-336E511B42B6}"/>
+                </a:ext>
+              </a:extLst>
+            </p:cNvPr>
+            <p:cNvSpPr/>
+            <p:nvPr/>
+          </p:nvSpPr>
+          <p:spPr>
+            <a:xfrm>
+              <a:off x="1284514" y="1382485"/>
+              <a:ext cx="424543" cy="424543"/>
+            </a:xfrm>
+            <a:prstGeom prst="rect">
+              <a:avLst/>
+            </a:prstGeom>
+            <a:noFill/>
+            <a:ln>
+              <a:solidFill>
+                <a:schemeClr val="tx1"/>
+              </a:solidFill>
+            </a:ln>
+          </p:spPr>
+          <p:style>
+            <a:lnRef idx="2">
+              <a:schemeClr val="accent1">
+                <a:shade val="50000"/>
+              </a:schemeClr>
+            </a:lnRef>
+            <a:fillRef idx="1">
+              <a:schemeClr val="accent1"/>
+            </a:fillRef>
+            <a:effectRef idx="0">
+              <a:schemeClr val="accent1"/>
+            </a:effectRef>
+            <a:fontRef idx="minor">
+              <a:schemeClr val="lt1"/>
+            </a:fontRef>
+          </p:style>
+          <p:txBody>
+            <a:bodyPr rtlCol="0" anchor="ctr"/>
+            <a:lstStyle/>
+            <a:p>
+              <a:pPr algn="ctr"/>
+              <a:endParaRPr kumimoji="1" lang="zh-CN" altLang="en-US"/>
+            </a:p>
+          </p:txBody>
+        </p:sp>
+        <p:sp>
+          <p:nvSpPr>
+            <p:cNvPr id="65" name="矩形 64">
+              <a:extLst>
+                <a:ext uri="{FF2B5EF4-FFF2-40B4-BE49-F238E27FC236}">
+                  <a16:creationId xmlns:a16="http://schemas.microsoft.com/office/drawing/2014/main" id="{ED8CA30D-F1C9-2749-AE20-047BA031624A}"/>
+                </a:ext>
+              </a:extLst>
+            </p:cNvPr>
+            <p:cNvSpPr/>
+            <p:nvPr/>
+          </p:nvSpPr>
+          <p:spPr>
+            <a:xfrm>
+              <a:off x="1284514" y="1807028"/>
+              <a:ext cx="424543" cy="424543"/>
+            </a:xfrm>
+            <a:prstGeom prst="rect">
+              <a:avLst/>
+            </a:prstGeom>
+            <a:noFill/>
+            <a:ln>
+              <a:solidFill>
+                <a:schemeClr val="tx1"/>
+              </a:solidFill>
+            </a:ln>
+          </p:spPr>
+          <p:style>
+            <a:lnRef idx="2">
+              <a:schemeClr val="accent1">
+                <a:shade val="50000"/>
+              </a:schemeClr>
+            </a:lnRef>
+            <a:fillRef idx="1">
+              <a:schemeClr val="accent1"/>
+            </a:fillRef>
+            <a:effectRef idx="0">
+              <a:schemeClr val="accent1"/>
+            </a:effectRef>
+            <a:fontRef idx="minor">
+              <a:schemeClr val="lt1"/>
+            </a:fontRef>
+          </p:style>
+          <p:txBody>
+            <a:bodyPr rtlCol="0" anchor="ctr"/>
+            <a:lstStyle/>
+            <a:p>
+              <a:pPr algn="ctr"/>
+              <a:endParaRPr kumimoji="1" lang="zh-CN" altLang="en-US"/>
+            </a:p>
+          </p:txBody>
+        </p:sp>
+        <p:sp>
+          <p:nvSpPr>
+            <p:cNvPr id="66" name="矩形 65">
+              <a:extLst>
+                <a:ext uri="{FF2B5EF4-FFF2-40B4-BE49-F238E27FC236}">
+                  <a16:creationId xmlns:a16="http://schemas.microsoft.com/office/drawing/2014/main" id="{027F4533-396B-414B-BF79-FACB63A99CEA}"/>
+                </a:ext>
+              </a:extLst>
+            </p:cNvPr>
+            <p:cNvSpPr/>
+            <p:nvPr/>
+          </p:nvSpPr>
+          <p:spPr>
+            <a:xfrm>
+              <a:off x="1284514" y="2231571"/>
+              <a:ext cx="424543" cy="424543"/>
+            </a:xfrm>
+            <a:prstGeom prst="rect">
+              <a:avLst/>
+            </a:prstGeom>
+            <a:noFill/>
+            <a:ln>
+              <a:solidFill>
+                <a:schemeClr val="tx1"/>
+              </a:solidFill>
+            </a:ln>
+          </p:spPr>
+          <p:style>
+            <a:lnRef idx="2">
+              <a:schemeClr val="accent1">
+                <a:shade val="50000"/>
+              </a:schemeClr>
+            </a:lnRef>
+            <a:fillRef idx="1">
+              <a:schemeClr val="accent1"/>
+            </a:fillRef>
+            <a:effectRef idx="0">
+              <a:schemeClr val="accent1"/>
+            </a:effectRef>
+            <a:fontRef idx="minor">
+              <a:schemeClr val="lt1"/>
+            </a:fontRef>
+          </p:style>
+          <p:txBody>
+            <a:bodyPr rtlCol="0" anchor="ctr"/>
+            <a:lstStyle/>
+            <a:p>
+              <a:pPr algn="ctr"/>
+              <a:endParaRPr kumimoji="1" lang="zh-CN" altLang="en-US"/>
+            </a:p>
+          </p:txBody>
+        </p:sp>
+        <p:sp>
+          <p:nvSpPr>
+            <p:cNvPr id="67" name="矩形 66">
+              <a:extLst>
+                <a:ext uri="{FF2B5EF4-FFF2-40B4-BE49-F238E27FC236}">
+                  <a16:creationId xmlns:a16="http://schemas.microsoft.com/office/drawing/2014/main" id="{D20B2532-4556-9A43-83D2-426986BCD1AB}"/>
+                </a:ext>
+              </a:extLst>
+            </p:cNvPr>
+            <p:cNvSpPr/>
+            <p:nvPr/>
+          </p:nvSpPr>
+          <p:spPr>
+            <a:xfrm>
+              <a:off x="1284514" y="2656114"/>
+              <a:ext cx="424543" cy="424543"/>
+            </a:xfrm>
+            <a:prstGeom prst="rect">
+              <a:avLst/>
+            </a:prstGeom>
+            <a:noFill/>
+            <a:ln>
+              <a:solidFill>
+                <a:schemeClr val="tx1"/>
+              </a:solidFill>
+            </a:ln>
+          </p:spPr>
+          <p:style>
+            <a:lnRef idx="2">
+              <a:schemeClr val="accent1">
+                <a:shade val="50000"/>
+              </a:schemeClr>
+            </a:lnRef>
+            <a:fillRef idx="1">
+              <a:schemeClr val="accent1"/>
+            </a:fillRef>
+            <a:effectRef idx="0">
+              <a:schemeClr val="accent1"/>
+            </a:effectRef>
+            <a:fontRef idx="minor">
+              <a:schemeClr val="lt1"/>
+            </a:fontRef>
+          </p:style>
+          <p:txBody>
+            <a:bodyPr rtlCol="0" anchor="ctr"/>
+            <a:lstStyle/>
+            <a:p>
+              <a:pPr algn="ctr"/>
+              <a:endParaRPr kumimoji="1" lang="zh-CN" altLang="en-US"/>
+            </a:p>
+          </p:txBody>
+        </p:sp>
+      </p:grpSp>
+      <p:grpSp>
+        <p:nvGrpSpPr>
+          <p:cNvPr id="68" name="组合 67">
+            <a:extLst>
+              <a:ext uri="{FF2B5EF4-FFF2-40B4-BE49-F238E27FC236}">
+                <a16:creationId xmlns:a16="http://schemas.microsoft.com/office/drawing/2014/main" id="{0376BBB4-A238-A346-87C7-860A4EF0F7CB}"/>
+              </a:ext>
+            </a:extLst>
+          </p:cNvPr>
+          <p:cNvGrpSpPr/>
+          <p:nvPr/>
+        </p:nvGrpSpPr>
+        <p:grpSpPr>
+          <a:xfrm>
+            <a:off x="5671455" y="1534885"/>
+            <a:ext cx="424543" cy="1698172"/>
+            <a:chOff x="1284514" y="1382485"/>
+            <a:chExt cx="424543" cy="1698172"/>
+          </a:xfrm>
+        </p:grpSpPr>
+        <p:sp>
+          <p:nvSpPr>
+            <p:cNvPr id="69" name="矩形 68">
+              <a:extLst>
+                <a:ext uri="{FF2B5EF4-FFF2-40B4-BE49-F238E27FC236}">
+                  <a16:creationId xmlns:a16="http://schemas.microsoft.com/office/drawing/2014/main" id="{8E04B921-6128-8D40-A1C9-18E8B7B38D2A}"/>
+                </a:ext>
+              </a:extLst>
+            </p:cNvPr>
+            <p:cNvSpPr/>
+            <p:nvPr/>
+          </p:nvSpPr>
+          <p:spPr>
+            <a:xfrm>
+              <a:off x="1284514" y="1382485"/>
+              <a:ext cx="424543" cy="424543"/>
+            </a:xfrm>
+            <a:prstGeom prst="rect">
+              <a:avLst/>
+            </a:prstGeom>
+            <a:noFill/>
+            <a:ln>
+              <a:solidFill>
+                <a:schemeClr val="tx1"/>
+              </a:solidFill>
+            </a:ln>
+          </p:spPr>
+          <p:style>
+            <a:lnRef idx="2">
+              <a:schemeClr val="accent1">
+                <a:shade val="50000"/>
+              </a:schemeClr>
+            </a:lnRef>
+            <a:fillRef idx="1">
+              <a:schemeClr val="accent1"/>
+            </a:fillRef>
+            <a:effectRef idx="0">
+              <a:schemeClr val="accent1"/>
+            </a:effectRef>
+            <a:fontRef idx="minor">
+              <a:schemeClr val="lt1"/>
+            </a:fontRef>
+          </p:style>
+          <p:txBody>
+            <a:bodyPr rtlCol="0" anchor="ctr"/>
+            <a:lstStyle/>
+            <a:p>
+              <a:pPr algn="ctr"/>
+              <a:endParaRPr kumimoji="1" lang="zh-CN" altLang="en-US"/>
+            </a:p>
+          </p:txBody>
+        </p:sp>
+        <p:sp>
+          <p:nvSpPr>
+            <p:cNvPr id="70" name="矩形 69">
+              <a:extLst>
+                <a:ext uri="{FF2B5EF4-FFF2-40B4-BE49-F238E27FC236}">
+                  <a16:creationId xmlns:a16="http://schemas.microsoft.com/office/drawing/2014/main" id="{776C4FCC-9841-9E43-9264-D2FC8F98C36F}"/>
+                </a:ext>
+              </a:extLst>
+            </p:cNvPr>
+            <p:cNvSpPr/>
+            <p:nvPr/>
+          </p:nvSpPr>
+          <p:spPr>
+            <a:xfrm>
+              <a:off x="1284514" y="1807028"/>
+              <a:ext cx="424543" cy="424543"/>
+            </a:xfrm>
+            <a:prstGeom prst="rect">
+              <a:avLst/>
+            </a:prstGeom>
+            <a:noFill/>
+            <a:ln>
+              <a:solidFill>
+                <a:schemeClr val="tx1"/>
+              </a:solidFill>
+            </a:ln>
+          </p:spPr>
+          <p:style>
+            <a:lnRef idx="2">
+              <a:schemeClr val="accent1">
+                <a:shade val="50000"/>
+              </a:schemeClr>
+            </a:lnRef>
+            <a:fillRef idx="1">
+              <a:schemeClr val="accent1"/>
+            </a:fillRef>
+            <a:effectRef idx="0">
+              <a:schemeClr val="accent1"/>
+            </a:effectRef>
+            <a:fontRef idx="minor">
+              <a:schemeClr val="lt1"/>
+            </a:fontRef>
+          </p:style>
+          <p:txBody>
+            <a:bodyPr rtlCol="0" anchor="ctr"/>
+            <a:lstStyle/>
+            <a:p>
+              <a:pPr algn="ctr"/>
+              <a:endParaRPr kumimoji="1" lang="zh-CN" altLang="en-US"/>
+            </a:p>
+          </p:txBody>
+        </p:sp>
+        <p:sp>
+          <p:nvSpPr>
+            <p:cNvPr id="71" name="矩形 70">
+              <a:extLst>
+                <a:ext uri="{FF2B5EF4-FFF2-40B4-BE49-F238E27FC236}">
+                  <a16:creationId xmlns:a16="http://schemas.microsoft.com/office/drawing/2014/main" id="{41A80786-519F-C04E-A0D9-49E354C2B8A1}"/>
+                </a:ext>
+              </a:extLst>
+            </p:cNvPr>
+            <p:cNvSpPr/>
+            <p:nvPr/>
+          </p:nvSpPr>
+          <p:spPr>
+            <a:xfrm>
+              <a:off x="1284514" y="2231571"/>
+              <a:ext cx="424543" cy="424543"/>
+            </a:xfrm>
+            <a:prstGeom prst="rect">
+              <a:avLst/>
+            </a:prstGeom>
+            <a:noFill/>
+            <a:ln>
+              <a:solidFill>
+                <a:schemeClr val="tx1"/>
+              </a:solidFill>
+            </a:ln>
+          </p:spPr>
+          <p:style>
+            <a:lnRef idx="2">
+              <a:schemeClr val="accent1">
+                <a:shade val="50000"/>
+              </a:schemeClr>
+            </a:lnRef>
+            <a:fillRef idx="1">
+              <a:schemeClr val="accent1"/>
+            </a:fillRef>
+            <a:effectRef idx="0">
+              <a:schemeClr val="accent1"/>
+            </a:effectRef>
+            <a:fontRef idx="minor">
+              <a:schemeClr val="lt1"/>
+            </a:fontRef>
+          </p:style>
+          <p:txBody>
+            <a:bodyPr rtlCol="0" anchor="ctr"/>
+            <a:lstStyle/>
+            <a:p>
+              <a:pPr algn="ctr"/>
+              <a:endParaRPr kumimoji="1" lang="zh-CN" altLang="en-US"/>
+            </a:p>
+          </p:txBody>
+        </p:sp>
+        <p:sp>
+          <p:nvSpPr>
+            <p:cNvPr id="72" name="矩形 71">
+              <a:extLst>
+                <a:ext uri="{FF2B5EF4-FFF2-40B4-BE49-F238E27FC236}">
+                  <a16:creationId xmlns:a16="http://schemas.microsoft.com/office/drawing/2014/main" id="{8D29A8DB-B9A1-2A4D-9F00-224F7F92C7A3}"/>
+                </a:ext>
+              </a:extLst>
+            </p:cNvPr>
+            <p:cNvSpPr/>
+            <p:nvPr/>
+          </p:nvSpPr>
+          <p:spPr>
+            <a:xfrm>
+              <a:off x="1284514" y="2656114"/>
+              <a:ext cx="424543" cy="424543"/>
+            </a:xfrm>
+            <a:prstGeom prst="rect">
+              <a:avLst/>
+            </a:prstGeom>
+            <a:noFill/>
+            <a:ln>
+              <a:solidFill>
+                <a:schemeClr val="tx1"/>
+              </a:solidFill>
+            </a:ln>
+          </p:spPr>
+          <p:style>
+            <a:lnRef idx="2">
+              <a:schemeClr val="accent1">
+                <a:shade val="50000"/>
+              </a:schemeClr>
+            </a:lnRef>
+            <a:fillRef idx="1">
+              <a:schemeClr val="accent1"/>
+            </a:fillRef>
+            <a:effectRef idx="0">
+              <a:schemeClr val="accent1"/>
+            </a:effectRef>
+            <a:fontRef idx="minor">
+              <a:schemeClr val="lt1"/>
+            </a:fontRef>
+          </p:style>
+          <p:txBody>
+            <a:bodyPr rtlCol="0" anchor="ctr"/>
+            <a:lstStyle/>
+            <a:p>
+              <a:pPr algn="ctr"/>
+              <a:endParaRPr kumimoji="1" lang="zh-CN" altLang="en-US"/>
+            </a:p>
+          </p:txBody>
+        </p:sp>
+      </p:grpSp>
+      <p:cxnSp>
+        <p:nvCxnSpPr>
+          <p:cNvPr id="73" name="直线箭头连接符 72">
+            <a:extLst>
+              <a:ext uri="{FF2B5EF4-FFF2-40B4-BE49-F238E27FC236}">
+                <a16:creationId xmlns:a16="http://schemas.microsoft.com/office/drawing/2014/main" id="{ABF747F4-463C-7940-A112-4AAE79BB4CD4}"/>
+              </a:ext>
+            </a:extLst>
+          </p:cNvPr>
+          <p:cNvCxnSpPr>
+            <a:stCxn id="69" idx="3"/>
+            <a:endCxn id="64" idx="1"/>
+          </p:cNvCxnSpPr>
+          <p:nvPr/>
+        </p:nvCxnSpPr>
+        <p:spPr>
+          <a:xfrm>
+            <a:off x="6095998" y="1747157"/>
+            <a:ext cx="1153886" cy="0"/>
+          </a:xfrm>
+          <a:prstGeom prst="straightConnector1">
+            <a:avLst/>
+          </a:prstGeom>
+          <a:ln>
+            <a:solidFill>
+              <a:schemeClr val="tx1"/>
+            </a:solidFill>
+            <a:tailEnd type="triangle"/>
+          </a:ln>
+        </p:spPr>
+        <p:style>
+          <a:lnRef idx="1">
+            <a:schemeClr val="accent1"/>
+          </a:lnRef>
+          <a:fillRef idx="0">
+            <a:schemeClr val="accent1"/>
+          </a:fillRef>
+          <a:effectRef idx="0">
+            <a:schemeClr val="accent1"/>
+          </a:effectRef>
+          <a:fontRef idx="minor">
+            <a:schemeClr val="tx1"/>
+          </a:fontRef>
+        </p:style>
+      </p:cxnSp>
+      <p:cxnSp>
+        <p:nvCxnSpPr>
+          <p:cNvPr id="78" name="直线箭头连接符 77">
+            <a:extLst>
+              <a:ext uri="{FF2B5EF4-FFF2-40B4-BE49-F238E27FC236}">
+                <a16:creationId xmlns:a16="http://schemas.microsoft.com/office/drawing/2014/main" id="{0CD20B9A-C362-6340-8AEB-BE899E6C8BD6}"/>
+              </a:ext>
+            </a:extLst>
+          </p:cNvPr>
+          <p:cNvCxnSpPr>
+            <a:stCxn id="70" idx="3"/>
+            <a:endCxn id="65" idx="1"/>
+          </p:cNvCxnSpPr>
+          <p:nvPr/>
+        </p:nvCxnSpPr>
+        <p:spPr>
+          <a:xfrm>
+            <a:off x="6095998" y="2171700"/>
+            <a:ext cx="1153886" cy="0"/>
+          </a:xfrm>
+          <a:prstGeom prst="straightConnector1">
+            <a:avLst/>
+          </a:prstGeom>
+          <a:ln>
+            <a:solidFill>
+              <a:schemeClr val="tx1"/>
+            </a:solidFill>
+            <a:tailEnd type="triangle"/>
+          </a:ln>
+        </p:spPr>
+        <p:style>
+          <a:lnRef idx="1">
+            <a:schemeClr val="accent1"/>
+          </a:lnRef>
+          <a:fillRef idx="0">
+            <a:schemeClr val="accent1"/>
+          </a:fillRef>
+          <a:effectRef idx="0">
+            <a:schemeClr val="accent1"/>
+          </a:effectRef>
+          <a:fontRef idx="minor">
+            <a:schemeClr val="tx1"/>
+          </a:fontRef>
+        </p:style>
+      </p:cxnSp>
+      <p:cxnSp>
+        <p:nvCxnSpPr>
+          <p:cNvPr id="83" name="直线箭头连接符 82">
+            <a:extLst>
+              <a:ext uri="{FF2B5EF4-FFF2-40B4-BE49-F238E27FC236}">
+                <a16:creationId xmlns:a16="http://schemas.microsoft.com/office/drawing/2014/main" id="{1B7D9434-C931-0A44-88D5-573E189E15C6}"/>
+              </a:ext>
+            </a:extLst>
+          </p:cNvPr>
+          <p:cNvCxnSpPr>
+            <a:stCxn id="71" idx="3"/>
+            <a:endCxn id="66" idx="1"/>
+          </p:cNvCxnSpPr>
+          <p:nvPr/>
+        </p:nvCxnSpPr>
+        <p:spPr>
+          <a:xfrm>
+            <a:off x="6095998" y="2596243"/>
+            <a:ext cx="1153886" cy="0"/>
+          </a:xfrm>
+          <a:prstGeom prst="straightConnector1">
+            <a:avLst/>
+          </a:prstGeom>
+          <a:ln>
+            <a:solidFill>
+              <a:schemeClr val="tx1"/>
+            </a:solidFill>
+            <a:tailEnd type="triangle"/>
+          </a:ln>
+        </p:spPr>
+        <p:style>
+          <a:lnRef idx="1">
+            <a:schemeClr val="accent1"/>
+          </a:lnRef>
+          <a:fillRef idx="0">
+            <a:schemeClr val="accent1"/>
+          </a:fillRef>
+          <a:effectRef idx="0">
+            <a:schemeClr val="accent1"/>
+          </a:effectRef>
+          <a:fontRef idx="minor">
+            <a:schemeClr val="tx1"/>
+          </a:fontRef>
+        </p:style>
+      </p:cxnSp>
+      <p:cxnSp>
+        <p:nvCxnSpPr>
+          <p:cNvPr id="85" name="直线箭头连接符 84">
+            <a:extLst>
+              <a:ext uri="{FF2B5EF4-FFF2-40B4-BE49-F238E27FC236}">
+                <a16:creationId xmlns:a16="http://schemas.microsoft.com/office/drawing/2014/main" id="{CD62957E-D0E0-2D47-8643-FAB715C9A3DD}"/>
+              </a:ext>
+            </a:extLst>
+          </p:cNvPr>
+          <p:cNvCxnSpPr>
+            <a:stCxn id="72" idx="3"/>
+            <a:endCxn id="67" idx="1"/>
+          </p:cNvCxnSpPr>
+          <p:nvPr/>
+        </p:nvCxnSpPr>
+        <p:spPr>
+          <a:xfrm>
+            <a:off x="6095998" y="3020786"/>
+            <a:ext cx="1153886" cy="0"/>
+          </a:xfrm>
+          <a:prstGeom prst="straightConnector1">
+            <a:avLst/>
+          </a:prstGeom>
+          <a:ln>
+            <a:solidFill>
+              <a:schemeClr val="tx1"/>
+            </a:solidFill>
+            <a:tailEnd type="triangle"/>
+          </a:ln>
+        </p:spPr>
+        <p:style>
+          <a:lnRef idx="1">
+            <a:schemeClr val="accent1"/>
+          </a:lnRef>
+          <a:fillRef idx="0">
+            <a:schemeClr val="accent1"/>
+          </a:fillRef>
+          <a:effectRef idx="0">
+            <a:schemeClr val="accent1"/>
+          </a:effectRef>
+          <a:fontRef idx="minor">
+            <a:schemeClr val="tx1"/>
+          </a:fontRef>
+        </p:style>
+      </p:cxnSp>
+      <p:cxnSp>
+        <p:nvCxnSpPr>
+          <p:cNvPr id="90" name="直线箭头连接符 89">
+            <a:extLst>
+              <a:ext uri="{FF2B5EF4-FFF2-40B4-BE49-F238E27FC236}">
+                <a16:creationId xmlns:a16="http://schemas.microsoft.com/office/drawing/2014/main" id="{2BFC1B02-7138-2844-BBF0-81178769EF85}"/>
+              </a:ext>
+            </a:extLst>
+          </p:cNvPr>
+          <p:cNvCxnSpPr>
+            <a:stCxn id="64" idx="3"/>
+            <a:endCxn id="25" idx="1"/>
+          </p:cNvCxnSpPr>
+          <p:nvPr/>
+        </p:nvCxnSpPr>
+        <p:spPr>
+          <a:xfrm>
+            <a:off x="7674427" y="1747157"/>
+            <a:ext cx="1153886" cy="424543"/>
+          </a:xfrm>
+          <a:prstGeom prst="straightConnector1">
+            <a:avLst/>
+          </a:prstGeom>
+          <a:ln>
+            <a:solidFill>
+              <a:schemeClr val="tx1"/>
+            </a:solidFill>
+            <a:tailEnd type="triangle"/>
+          </a:ln>
+        </p:spPr>
+        <p:style>
+          <a:lnRef idx="1">
+            <a:schemeClr val="accent1"/>
+          </a:lnRef>
+          <a:fillRef idx="0">
+            <a:schemeClr val="accent1"/>
+          </a:fillRef>
+          <a:effectRef idx="0">
+            <a:schemeClr val="accent1"/>
+          </a:effectRef>
+          <a:fontRef idx="minor">
+            <a:schemeClr val="tx1"/>
+          </a:fontRef>
+        </p:style>
+      </p:cxnSp>
+      <p:cxnSp>
+        <p:nvCxnSpPr>
+          <p:cNvPr id="92" name="直线箭头连接符 91">
+            <a:extLst>
+              <a:ext uri="{FF2B5EF4-FFF2-40B4-BE49-F238E27FC236}">
+                <a16:creationId xmlns:a16="http://schemas.microsoft.com/office/drawing/2014/main" id="{8A2F87AE-70CE-BC4C-85F7-5AC1C960320C}"/>
+              </a:ext>
+            </a:extLst>
+          </p:cNvPr>
+          <p:cNvCxnSpPr>
+            <a:stCxn id="64" idx="3"/>
+            <a:endCxn id="26" idx="1"/>
+          </p:cNvCxnSpPr>
+          <p:nvPr/>
+        </p:nvCxnSpPr>
+        <p:spPr>
+          <a:xfrm>
+            <a:off x="7674427" y="1747157"/>
+            <a:ext cx="1153886" cy="849086"/>
+          </a:xfrm>
+          <a:prstGeom prst="straightConnector1">
+            <a:avLst/>
+          </a:prstGeom>
+          <a:ln>
+            <a:solidFill>
+              <a:schemeClr val="tx1"/>
+            </a:solidFill>
+            <a:tailEnd type="triangle"/>
+          </a:ln>
+        </p:spPr>
+        <p:style>
+          <a:lnRef idx="1">
+            <a:schemeClr val="accent1"/>
+          </a:lnRef>
+          <a:fillRef idx="0">
+            <a:schemeClr val="accent1"/>
+          </a:fillRef>
+          <a:effectRef idx="0">
+            <a:schemeClr val="accent1"/>
+          </a:effectRef>
+          <a:fontRef idx="minor">
+            <a:schemeClr val="tx1"/>
+          </a:fontRef>
+        </p:style>
+      </p:cxnSp>
+      <p:cxnSp>
+        <p:nvCxnSpPr>
+          <p:cNvPr id="94" name="直线箭头连接符 93">
+            <a:extLst>
+              <a:ext uri="{FF2B5EF4-FFF2-40B4-BE49-F238E27FC236}">
+                <a16:creationId xmlns:a16="http://schemas.microsoft.com/office/drawing/2014/main" id="{0A2CC27C-DC5A-A242-96D5-D62A67C9B70C}"/>
+              </a:ext>
+            </a:extLst>
+          </p:cNvPr>
+          <p:cNvCxnSpPr>
+            <a:stCxn id="65" idx="3"/>
+            <a:endCxn id="25" idx="1"/>
+          </p:cNvCxnSpPr>
+          <p:nvPr/>
+        </p:nvCxnSpPr>
+        <p:spPr>
+          <a:xfrm>
+            <a:off x="7674427" y="2171700"/>
+            <a:ext cx="1153886" cy="0"/>
+          </a:xfrm>
+          <a:prstGeom prst="straightConnector1">
+            <a:avLst/>
+          </a:prstGeom>
+          <a:ln>
+            <a:solidFill>
+              <a:schemeClr val="tx1"/>
+            </a:solidFill>
+            <a:tailEnd type="triangle"/>
+          </a:ln>
+        </p:spPr>
+        <p:style>
+          <a:lnRef idx="1">
+            <a:schemeClr val="accent1"/>
+          </a:lnRef>
+          <a:fillRef idx="0">
+            <a:schemeClr val="accent1"/>
+          </a:fillRef>
+          <a:effectRef idx="0">
+            <a:schemeClr val="accent1"/>
+          </a:effectRef>
+          <a:fontRef idx="minor">
+            <a:schemeClr val="tx1"/>
+          </a:fontRef>
+        </p:style>
+      </p:cxnSp>
+      <p:cxnSp>
+        <p:nvCxnSpPr>
+          <p:cNvPr id="96" name="直线箭头连接符 95">
+            <a:extLst>
+              <a:ext uri="{FF2B5EF4-FFF2-40B4-BE49-F238E27FC236}">
+                <a16:creationId xmlns:a16="http://schemas.microsoft.com/office/drawing/2014/main" id="{87886EAF-64C5-AA46-B4F6-E356FEBC73AA}"/>
+              </a:ext>
+            </a:extLst>
+          </p:cNvPr>
+          <p:cNvCxnSpPr>
+            <a:stCxn id="65" idx="3"/>
+            <a:endCxn id="26" idx="1"/>
+          </p:cNvCxnSpPr>
+          <p:nvPr/>
+        </p:nvCxnSpPr>
+        <p:spPr>
+          <a:xfrm>
+            <a:off x="7674427" y="2171700"/>
+            <a:ext cx="1153886" cy="424543"/>
+          </a:xfrm>
+          <a:prstGeom prst="straightConnector1">
+            <a:avLst/>
+          </a:prstGeom>
+          <a:ln>
+            <a:solidFill>
+              <a:schemeClr val="tx1"/>
+            </a:solidFill>
+            <a:tailEnd type="triangle"/>
+          </a:ln>
+        </p:spPr>
+        <p:style>
+          <a:lnRef idx="1">
+            <a:schemeClr val="accent1"/>
+          </a:lnRef>
+          <a:fillRef idx="0">
+            <a:schemeClr val="accent1"/>
+          </a:fillRef>
+          <a:effectRef idx="0">
+            <a:schemeClr val="accent1"/>
+          </a:effectRef>
+          <a:fontRef idx="minor">
+            <a:schemeClr val="tx1"/>
+          </a:fontRef>
+        </p:style>
+      </p:cxnSp>
+      <p:cxnSp>
+        <p:nvCxnSpPr>
+          <p:cNvPr id="98" name="直线箭头连接符 97">
+            <a:extLst>
+              <a:ext uri="{FF2B5EF4-FFF2-40B4-BE49-F238E27FC236}">
+                <a16:creationId xmlns:a16="http://schemas.microsoft.com/office/drawing/2014/main" id="{CEC170C9-D348-194B-A8F0-6B1F519461CF}"/>
+              </a:ext>
+            </a:extLst>
+          </p:cNvPr>
+          <p:cNvCxnSpPr>
+            <a:stCxn id="66" idx="3"/>
+            <a:endCxn id="25" idx="1"/>
+          </p:cNvCxnSpPr>
+          <p:nvPr/>
+        </p:nvCxnSpPr>
+        <p:spPr>
+          <a:xfrm flipV="1">
+            <a:off x="7674427" y="2171700"/>
+            <a:ext cx="1153886" cy="424543"/>
+          </a:xfrm>
+          <a:prstGeom prst="straightConnector1">
+            <a:avLst/>
+          </a:prstGeom>
+          <a:ln>
+            <a:solidFill>
+              <a:schemeClr val="tx1"/>
+            </a:solidFill>
+            <a:tailEnd type="triangle"/>
+          </a:ln>
+        </p:spPr>
+        <p:style>
+          <a:lnRef idx="1">
+            <a:schemeClr val="accent1"/>
+          </a:lnRef>
+          <a:fillRef idx="0">
+            <a:schemeClr val="accent1"/>
+          </a:fillRef>
+          <a:effectRef idx="0">
+            <a:schemeClr val="accent1"/>
+          </a:effectRef>
+          <a:fontRef idx="minor">
+            <a:schemeClr val="tx1"/>
+          </a:fontRef>
+        </p:style>
+      </p:cxnSp>
+      <p:cxnSp>
+        <p:nvCxnSpPr>
+          <p:cNvPr id="100" name="直线箭头连接符 99">
+            <a:extLst>
+              <a:ext uri="{FF2B5EF4-FFF2-40B4-BE49-F238E27FC236}">
+                <a16:creationId xmlns:a16="http://schemas.microsoft.com/office/drawing/2014/main" id="{197E74E8-AD56-EA4A-B158-DDF9B03BB774}"/>
+              </a:ext>
+            </a:extLst>
+          </p:cNvPr>
+          <p:cNvCxnSpPr>
+            <a:stCxn id="66" idx="3"/>
+            <a:endCxn id="26" idx="1"/>
+          </p:cNvCxnSpPr>
+          <p:nvPr/>
+        </p:nvCxnSpPr>
+        <p:spPr>
+          <a:xfrm>
+            <a:off x="7674427" y="2596243"/>
+            <a:ext cx="1153886" cy="0"/>
+          </a:xfrm>
+          <a:prstGeom prst="straightConnector1">
+            <a:avLst/>
+          </a:prstGeom>
+          <a:ln>
+            <a:solidFill>
+              <a:schemeClr val="tx1"/>
+            </a:solidFill>
+            <a:tailEnd type="triangle"/>
+          </a:ln>
+        </p:spPr>
+        <p:style>
+          <a:lnRef idx="1">
+            <a:schemeClr val="accent1"/>
+          </a:lnRef>
+          <a:fillRef idx="0">
+            <a:schemeClr val="accent1"/>
+          </a:fillRef>
+          <a:effectRef idx="0">
+            <a:schemeClr val="accent1"/>
+          </a:effectRef>
+          <a:fontRef idx="minor">
+            <a:schemeClr val="tx1"/>
+          </a:fontRef>
+        </p:style>
+      </p:cxnSp>
+      <p:cxnSp>
+        <p:nvCxnSpPr>
+          <p:cNvPr id="102" name="直线箭头连接符 101">
+            <a:extLst>
+              <a:ext uri="{FF2B5EF4-FFF2-40B4-BE49-F238E27FC236}">
+                <a16:creationId xmlns:a16="http://schemas.microsoft.com/office/drawing/2014/main" id="{0219BF43-868F-FD43-A9C3-F8875FCC45D9}"/>
+              </a:ext>
+            </a:extLst>
+          </p:cNvPr>
+          <p:cNvCxnSpPr>
+            <a:stCxn id="67" idx="3"/>
+            <a:endCxn id="25" idx="1"/>
+          </p:cNvCxnSpPr>
+          <p:nvPr/>
+        </p:nvCxnSpPr>
+        <p:spPr>
+          <a:xfrm flipV="1">
+            <a:off x="7674427" y="2171700"/>
+            <a:ext cx="1153886" cy="849086"/>
+          </a:xfrm>
+          <a:prstGeom prst="straightConnector1">
+            <a:avLst/>
+          </a:prstGeom>
+          <a:ln>
+            <a:solidFill>
+              <a:schemeClr val="tx1"/>
+            </a:solidFill>
+            <a:tailEnd type="triangle"/>
+          </a:ln>
+        </p:spPr>
+        <p:style>
+          <a:lnRef idx="1">
+            <a:schemeClr val="accent1"/>
+          </a:lnRef>
+          <a:fillRef idx="0">
+            <a:schemeClr val="accent1"/>
+          </a:fillRef>
+          <a:effectRef idx="0">
+            <a:schemeClr val="accent1"/>
+          </a:effectRef>
+          <a:fontRef idx="minor">
+            <a:schemeClr val="tx1"/>
+          </a:fontRef>
+        </p:style>
+      </p:cxnSp>
+      <p:cxnSp>
+        <p:nvCxnSpPr>
+          <p:cNvPr id="104" name="直线箭头连接符 103">
+            <a:extLst>
+              <a:ext uri="{FF2B5EF4-FFF2-40B4-BE49-F238E27FC236}">
+                <a16:creationId xmlns:a16="http://schemas.microsoft.com/office/drawing/2014/main" id="{D036D981-414F-D846-B619-74A0DC747608}"/>
+              </a:ext>
+            </a:extLst>
+          </p:cNvPr>
+          <p:cNvCxnSpPr>
+            <a:stCxn id="67" idx="3"/>
+            <a:endCxn id="26" idx="1"/>
+          </p:cNvCxnSpPr>
+          <p:nvPr/>
+        </p:nvCxnSpPr>
+        <p:spPr>
+          <a:xfrm flipV="1">
+            <a:off x="7674427" y="2596243"/>
+            <a:ext cx="1153886" cy="424543"/>
+          </a:xfrm>
+          <a:prstGeom prst="straightConnector1">
+            <a:avLst/>
+          </a:prstGeom>
+          <a:ln>
+            <a:solidFill>
+              <a:schemeClr val="tx1"/>
+            </a:solidFill>
+            <a:tailEnd type="triangle"/>
+          </a:ln>
+        </p:spPr>
+        <p:style>
+          <a:lnRef idx="1">
+            <a:schemeClr val="accent1"/>
+          </a:lnRef>
+          <a:fillRef idx="0">
+            <a:schemeClr val="accent1"/>
+          </a:fillRef>
+          <a:effectRef idx="0">
+            <a:schemeClr val="accent1"/>
+          </a:effectRef>
+          <a:fontRef idx="minor">
+            <a:schemeClr val="tx1"/>
+          </a:fontRef>
+        </p:style>
+      </p:cxnSp>
+      <p:sp>
+        <p:nvSpPr>
+          <p:cNvPr id="105" name="文本框 104">
+            <a:extLst>
+              <a:ext uri="{FF2B5EF4-FFF2-40B4-BE49-F238E27FC236}">
+                <a16:creationId xmlns:a16="http://schemas.microsoft.com/office/drawing/2014/main" id="{DFC9B0F4-13E4-DC48-8017-56D2F0116CDE}"/>
+              </a:ext>
+            </a:extLst>
+          </p:cNvPr>
+          <p:cNvSpPr txBox="1"/>
+          <p:nvPr/>
+        </p:nvSpPr>
+        <p:spPr>
+          <a:xfrm>
+            <a:off x="1945316" y="3412672"/>
+            <a:ext cx="986167" cy="369332"/>
+          </a:xfrm>
+          <a:prstGeom prst="rect">
+            <a:avLst/>
+          </a:prstGeom>
+          <a:noFill/>
+        </p:spPr>
+        <p:txBody>
+          <a:bodyPr wrap="none" rtlCol="0">
+            <a:spAutoFit/>
+          </a:bodyPr>
+          <a:lstStyle/>
+          <a:p>
+            <a:r>
+              <a:rPr kumimoji="1" lang="zh-CN" altLang="en-US" dirty="0"/>
+              <a:t>卷积核</a:t>
+            </a:r>
+            <a:r>
+              <a:rPr kumimoji="1" lang="en-US" altLang="zh-CN" dirty="0"/>
+              <a:t>k</a:t>
+            </a:r>
+            <a:endParaRPr kumimoji="1" lang="zh-CN" altLang="en-US" dirty="0"/>
+          </a:p>
+        </p:txBody>
+      </p:sp>
+      <p:sp>
+        <p:nvSpPr>
+          <p:cNvPr id="106" name="文本框 105">
+            <a:extLst>
+              <a:ext uri="{FF2B5EF4-FFF2-40B4-BE49-F238E27FC236}">
+                <a16:creationId xmlns:a16="http://schemas.microsoft.com/office/drawing/2014/main" id="{91239D95-FEC3-A147-A63B-AB495B142511}"/>
+              </a:ext>
+            </a:extLst>
+          </p:cNvPr>
+          <p:cNvSpPr txBox="1"/>
+          <p:nvPr/>
+        </p:nvSpPr>
+        <p:spPr>
+          <a:xfrm>
+            <a:off x="6179857" y="3429000"/>
+            <a:ext cx="986167" cy="369332"/>
+          </a:xfrm>
+          <a:prstGeom prst="rect">
+            <a:avLst/>
+          </a:prstGeom>
+          <a:noFill/>
+        </p:spPr>
+        <p:txBody>
+          <a:bodyPr wrap="none" rtlCol="0">
+            <a:spAutoFit/>
+          </a:bodyPr>
+          <a:lstStyle/>
+          <a:p>
+            <a:r>
+              <a:rPr kumimoji="1" lang="zh-CN" altLang="en-US" dirty="0"/>
+              <a:t>卷积核</a:t>
+            </a:r>
+            <a:r>
+              <a:rPr kumimoji="1" lang="en-US" altLang="zh-CN" dirty="0"/>
+              <a:t>k</a:t>
+            </a:r>
+            <a:endParaRPr kumimoji="1" lang="zh-CN" altLang="en-US" dirty="0"/>
+          </a:p>
+        </p:txBody>
+      </p:sp>
+      <p:sp>
+        <p:nvSpPr>
+          <p:cNvPr id="107" name="文本框 106">
+            <a:extLst>
+              <a:ext uri="{FF2B5EF4-FFF2-40B4-BE49-F238E27FC236}">
+                <a16:creationId xmlns:a16="http://schemas.microsoft.com/office/drawing/2014/main" id="{794D00B6-DA6D-9C46-8020-839EAA0288F9}"/>
+              </a:ext>
+            </a:extLst>
+          </p:cNvPr>
+          <p:cNvSpPr txBox="1"/>
+          <p:nvPr/>
+        </p:nvSpPr>
+        <p:spPr>
+          <a:xfrm>
+            <a:off x="7751874" y="3429000"/>
+            <a:ext cx="998991" cy="369332"/>
+          </a:xfrm>
+          <a:prstGeom prst="rect">
+            <a:avLst/>
+          </a:prstGeom>
+          <a:noFill/>
+        </p:spPr>
+        <p:txBody>
+          <a:bodyPr wrap="none" rtlCol="0">
+            <a:spAutoFit/>
+          </a:bodyPr>
+          <a:lstStyle/>
+          <a:p>
+            <a:r>
+              <a:rPr kumimoji="1" lang="zh-CN" altLang="en-US" dirty="0"/>
+              <a:t>卷积核</a:t>
+            </a:r>
+            <a:r>
+              <a:rPr kumimoji="1" lang="en-US" altLang="zh-CN" dirty="0"/>
+              <a:t>1</a:t>
+            </a:r>
+            <a:endParaRPr kumimoji="1" lang="zh-CN" altLang="en-US" dirty="0"/>
+          </a:p>
+        </p:txBody>
+      </p:sp>
+    </p:spTree>
+    <p:extLst>
+      <p:ext uri="{BB962C8B-B14F-4D97-AF65-F5344CB8AC3E}">
+        <p14:creationId xmlns:p14="http://schemas.microsoft.com/office/powerpoint/2010/main" val="2908441939"/>
+      </p:ext>
+    </p:extLst>
+  </p:cSld>
+  <p:clrMapOvr>
+    <a:masterClrMapping/>
+  </p:clrMapOvr>
+</p:sld>
+</file>
+
+<file path=ppt/slides/slide3.xml><?xml version="1.0" encoding="utf-8"?>
+<p:sld xmlns:a="http://schemas.openxmlformats.org/drawingml/2006/main" xmlns:r="http://schemas.openxmlformats.org/officeDocument/2006/relationships" xmlns:p="http://schemas.openxmlformats.org/presentationml/2006/main">
+  <p:cSld>
+    <p:spTree>
+      <p:nvGrpSpPr>
+        <p:cNvPr id="1" name=""/>
+        <p:cNvGrpSpPr/>
+        <p:nvPr/>
+      </p:nvGrpSpPr>
+      <p:grpSpPr>
+        <a:xfrm>
+          <a:off x="0" y="0"/>
+          <a:ext cx="0" cy="0"/>
+          <a:chOff x="0" y="0"/>
+          <a:chExt cx="0" cy="0"/>
+        </a:xfrm>
+      </p:grpSpPr>
+      <p:sp>
+        <p:nvSpPr>
+          <p:cNvPr id="10" name="椭圆 9">
+            <a:extLst>
+              <a:ext uri="{FF2B5EF4-FFF2-40B4-BE49-F238E27FC236}">
+                <a16:creationId xmlns:a16="http://schemas.microsoft.com/office/drawing/2014/main" id="{3CFE6078-9D1B-5547-BC4E-1F50ACED7E57}"/>
+              </a:ext>
+            </a:extLst>
+          </p:cNvPr>
+          <p:cNvSpPr/>
+          <p:nvPr/>
+        </p:nvSpPr>
+        <p:spPr>
+          <a:xfrm>
+            <a:off x="4972832" y="2743279"/>
+            <a:ext cx="526093" cy="509232"/>
+          </a:xfrm>
+          <a:prstGeom prst="ellipse">
+            <a:avLst/>
+          </a:prstGeom>
+          <a:noFill/>
+          <a:ln>
+            <a:solidFill>
+              <a:schemeClr val="tx1"/>
+            </a:solidFill>
+          </a:ln>
+        </p:spPr>
+        <p:style>
+          <a:lnRef idx="2">
+            <a:schemeClr val="accent1">
+              <a:shade val="50000"/>
+            </a:schemeClr>
+          </a:lnRef>
+          <a:fillRef idx="1">
+            <a:schemeClr val="accent1"/>
+          </a:fillRef>
+          <a:effectRef idx="0">
+            <a:schemeClr val="accent1"/>
+          </a:effectRef>
+          <a:fontRef idx="minor">
+            <a:schemeClr val="lt1"/>
+          </a:fontRef>
+        </p:style>
+        <p:txBody>
+          <a:bodyPr rtlCol="0" anchor="ctr"/>
+          <a:lstStyle/>
+          <a:p>
+            <a:pPr algn="ctr"/>
+            <a:endParaRPr kumimoji="1" lang="zh-CN" altLang="en-US" dirty="0"/>
+          </a:p>
+        </p:txBody>
+      </p:sp>
+      <p:sp>
+        <p:nvSpPr>
+          <p:cNvPr id="11" name="椭圆 10">
+            <a:extLst>
+              <a:ext uri="{FF2B5EF4-FFF2-40B4-BE49-F238E27FC236}">
+                <a16:creationId xmlns:a16="http://schemas.microsoft.com/office/drawing/2014/main" id="{73E8A0B9-4F68-6D41-A2BA-AFA1BB140128}"/>
+              </a:ext>
+            </a:extLst>
+          </p:cNvPr>
+          <p:cNvSpPr/>
+          <p:nvPr/>
+        </p:nvSpPr>
+        <p:spPr>
+          <a:xfrm>
+            <a:off x="4972832" y="1823580"/>
+            <a:ext cx="526093" cy="509232"/>
+          </a:xfrm>
+          <a:prstGeom prst="ellipse">
+            <a:avLst/>
+          </a:prstGeom>
+          <a:noFill/>
+          <a:ln>
+            <a:solidFill>
+              <a:schemeClr val="tx1"/>
+            </a:solidFill>
+          </a:ln>
+        </p:spPr>
+        <p:style>
+          <a:lnRef idx="2">
+            <a:schemeClr val="accent1">
+              <a:shade val="50000"/>
+            </a:schemeClr>
+          </a:lnRef>
+          <a:fillRef idx="1">
+            <a:schemeClr val="accent1"/>
+          </a:fillRef>
+          <a:effectRef idx="0">
+            <a:schemeClr val="accent1"/>
+          </a:effectRef>
+          <a:fontRef idx="minor">
+            <a:schemeClr val="lt1"/>
+          </a:fontRef>
+        </p:style>
+        <p:txBody>
+          <a:bodyPr rtlCol="0" anchor="ctr"/>
+          <a:lstStyle/>
+          <a:p>
+            <a:pPr algn="ctr"/>
+            <a:endParaRPr kumimoji="1" lang="zh-CN" altLang="en-US" dirty="0"/>
+          </a:p>
+        </p:txBody>
+      </p:sp>
+      <p:sp>
+        <p:nvSpPr>
+          <p:cNvPr id="12" name="椭圆 11">
+            <a:extLst>
+              <a:ext uri="{FF2B5EF4-FFF2-40B4-BE49-F238E27FC236}">
+                <a16:creationId xmlns:a16="http://schemas.microsoft.com/office/drawing/2014/main" id="{16A26FDD-1FFA-8149-B80B-CDF44265F7EB}"/>
+              </a:ext>
+            </a:extLst>
+          </p:cNvPr>
+          <p:cNvSpPr/>
+          <p:nvPr/>
+        </p:nvSpPr>
+        <p:spPr>
+          <a:xfrm>
+            <a:off x="3359062" y="3045912"/>
+            <a:ext cx="526093" cy="509232"/>
+          </a:xfrm>
+          <a:prstGeom prst="ellipse">
+            <a:avLst/>
+          </a:prstGeom>
+          <a:noFill/>
+          <a:ln>
+            <a:solidFill>
+              <a:schemeClr val="tx1"/>
+            </a:solidFill>
+          </a:ln>
+        </p:spPr>
+        <p:style>
+          <a:lnRef idx="2">
+            <a:schemeClr val="accent1">
+              <a:shade val="50000"/>
+            </a:schemeClr>
+          </a:lnRef>
+          <a:fillRef idx="1">
+            <a:schemeClr val="accent1"/>
+          </a:fillRef>
+          <a:effectRef idx="0">
+            <a:schemeClr val="accent1"/>
+          </a:effectRef>
+          <a:fontRef idx="minor">
+            <a:schemeClr val="lt1"/>
+          </a:fontRef>
+        </p:style>
+        <p:txBody>
+          <a:bodyPr rtlCol="0" anchor="ctr"/>
+          <a:lstStyle/>
+          <a:p>
+            <a:pPr algn="ctr"/>
+            <a:endParaRPr kumimoji="1" lang="zh-CN" altLang="en-US" dirty="0"/>
+          </a:p>
+        </p:txBody>
+      </p:sp>
+      <p:sp>
+        <p:nvSpPr>
+          <p:cNvPr id="13" name="椭圆 12">
+            <a:extLst>
+              <a:ext uri="{FF2B5EF4-FFF2-40B4-BE49-F238E27FC236}">
+                <a16:creationId xmlns:a16="http://schemas.microsoft.com/office/drawing/2014/main" id="{CBF06D8E-3FC7-3A48-84CE-2FD13CEEFAEE}"/>
+              </a:ext>
+            </a:extLst>
+          </p:cNvPr>
+          <p:cNvSpPr/>
+          <p:nvPr/>
+        </p:nvSpPr>
+        <p:spPr>
+          <a:xfrm>
+            <a:off x="3359062" y="3747370"/>
+            <a:ext cx="526093" cy="509232"/>
+          </a:xfrm>
+          <a:prstGeom prst="ellipse">
+            <a:avLst/>
+          </a:prstGeom>
+          <a:noFill/>
+          <a:ln>
+            <a:solidFill>
+              <a:schemeClr val="tx1"/>
+            </a:solidFill>
+          </a:ln>
+        </p:spPr>
+        <p:style>
+          <a:lnRef idx="2">
+            <a:schemeClr val="accent1">
+              <a:shade val="50000"/>
+            </a:schemeClr>
+          </a:lnRef>
+          <a:fillRef idx="1">
+            <a:schemeClr val="accent1"/>
+          </a:fillRef>
+          <a:effectRef idx="0">
+            <a:schemeClr val="accent1"/>
+          </a:effectRef>
+          <a:fontRef idx="minor">
+            <a:schemeClr val="lt1"/>
+          </a:fontRef>
+        </p:style>
+        <p:txBody>
+          <a:bodyPr rtlCol="0" anchor="ctr"/>
+          <a:lstStyle/>
+          <a:p>
+            <a:pPr algn="ctr"/>
+            <a:endParaRPr kumimoji="1" lang="zh-CN" altLang="en-US" dirty="0"/>
+          </a:p>
+        </p:txBody>
+      </p:sp>
+      <p:sp>
+        <p:nvSpPr>
+          <p:cNvPr id="14" name="椭圆 13">
+            <a:extLst>
+              <a:ext uri="{FF2B5EF4-FFF2-40B4-BE49-F238E27FC236}">
+                <a16:creationId xmlns:a16="http://schemas.microsoft.com/office/drawing/2014/main" id="{07708846-538E-7D42-9311-3D87166AE1A0}"/>
+              </a:ext>
+            </a:extLst>
+          </p:cNvPr>
+          <p:cNvSpPr/>
+          <p:nvPr/>
+        </p:nvSpPr>
+        <p:spPr>
+          <a:xfrm>
+            <a:off x="3359061" y="2353849"/>
+            <a:ext cx="526093" cy="509232"/>
+          </a:xfrm>
+          <a:prstGeom prst="ellipse">
+            <a:avLst/>
+          </a:prstGeom>
+          <a:noFill/>
+          <a:ln>
+            <a:solidFill>
+              <a:schemeClr val="tx1"/>
+            </a:solidFill>
+          </a:ln>
+        </p:spPr>
+        <p:style>
+          <a:lnRef idx="2">
+            <a:schemeClr val="accent1">
+              <a:shade val="50000"/>
+            </a:schemeClr>
+          </a:lnRef>
+          <a:fillRef idx="1">
+            <a:schemeClr val="accent1"/>
+          </a:fillRef>
+          <a:effectRef idx="0">
+            <a:schemeClr val="accent1"/>
+          </a:effectRef>
+          <a:fontRef idx="minor">
+            <a:schemeClr val="lt1"/>
+          </a:fontRef>
+        </p:style>
+        <p:txBody>
+          <a:bodyPr rtlCol="0" anchor="ctr"/>
+          <a:lstStyle/>
+          <a:p>
+            <a:pPr algn="ctr"/>
+            <a:endParaRPr kumimoji="1" lang="zh-CN" altLang="en-US" dirty="0"/>
+          </a:p>
+        </p:txBody>
+      </p:sp>
+      <p:sp>
+        <p:nvSpPr>
+          <p:cNvPr id="15" name="椭圆 14">
+            <a:extLst>
+              <a:ext uri="{FF2B5EF4-FFF2-40B4-BE49-F238E27FC236}">
+                <a16:creationId xmlns:a16="http://schemas.microsoft.com/office/drawing/2014/main" id="{550834CA-AD7C-2840-BB45-82C7ECA1D46D}"/>
+              </a:ext>
+            </a:extLst>
+          </p:cNvPr>
+          <p:cNvSpPr/>
+          <p:nvPr/>
+        </p:nvSpPr>
+        <p:spPr>
+          <a:xfrm>
+            <a:off x="3359060" y="1661786"/>
+            <a:ext cx="526093" cy="509232"/>
+          </a:xfrm>
+          <a:prstGeom prst="ellipse">
+            <a:avLst/>
+          </a:prstGeom>
+          <a:noFill/>
+          <a:ln>
+            <a:solidFill>
+              <a:schemeClr val="tx1"/>
+            </a:solidFill>
+          </a:ln>
+        </p:spPr>
+        <p:style>
+          <a:lnRef idx="2">
+            <a:schemeClr val="accent1">
+              <a:shade val="50000"/>
+            </a:schemeClr>
+          </a:lnRef>
+          <a:fillRef idx="1">
+            <a:schemeClr val="accent1"/>
+          </a:fillRef>
+          <a:effectRef idx="0">
+            <a:schemeClr val="accent1"/>
+          </a:effectRef>
+          <a:fontRef idx="minor">
+            <a:schemeClr val="lt1"/>
+          </a:fontRef>
+        </p:style>
+        <p:txBody>
+          <a:bodyPr rtlCol="0" anchor="ctr"/>
+          <a:lstStyle/>
+          <a:p>
+            <a:pPr algn="ctr"/>
+            <a:endParaRPr kumimoji="1" lang="zh-CN" altLang="en-US" dirty="0"/>
+          </a:p>
+        </p:txBody>
+      </p:sp>
+      <p:sp>
+        <p:nvSpPr>
+          <p:cNvPr id="16" name="椭圆 15">
+            <a:extLst>
+              <a:ext uri="{FF2B5EF4-FFF2-40B4-BE49-F238E27FC236}">
+                <a16:creationId xmlns:a16="http://schemas.microsoft.com/office/drawing/2014/main" id="{4B79D4F3-3989-014A-9DEE-9065ED914180}"/>
+              </a:ext>
+            </a:extLst>
+          </p:cNvPr>
+          <p:cNvSpPr/>
+          <p:nvPr/>
+        </p:nvSpPr>
+        <p:spPr>
+          <a:xfrm>
+            <a:off x="3450911" y="4686983"/>
+            <a:ext cx="526093" cy="509232"/>
+          </a:xfrm>
+          <a:prstGeom prst="ellipse">
+            <a:avLst/>
+          </a:prstGeom>
+          <a:noFill/>
+          <a:ln>
+            <a:solidFill>
+              <a:schemeClr val="tx1"/>
+            </a:solidFill>
+          </a:ln>
+        </p:spPr>
+        <p:style>
+          <a:lnRef idx="2">
+            <a:schemeClr val="accent1">
+              <a:shade val="50000"/>
+            </a:schemeClr>
+          </a:lnRef>
+          <a:fillRef idx="1">
+            <a:schemeClr val="accent1"/>
+          </a:fillRef>
+          <a:effectRef idx="0">
+            <a:schemeClr val="accent1"/>
+          </a:effectRef>
+          <a:fontRef idx="minor">
+            <a:schemeClr val="lt1"/>
+          </a:fontRef>
+        </p:style>
+        <p:txBody>
+          <a:bodyPr rtlCol="0" anchor="ctr"/>
+          <a:lstStyle/>
+          <a:p>
+            <a:pPr algn="ctr"/>
+            <a:endParaRPr kumimoji="1" lang="zh-CN" altLang="en-US" dirty="0"/>
+          </a:p>
+        </p:txBody>
+      </p:sp>
+      <p:sp>
+        <p:nvSpPr>
+          <p:cNvPr id="17" name="椭圆 16">
+            <a:extLst>
+              <a:ext uri="{FF2B5EF4-FFF2-40B4-BE49-F238E27FC236}">
+                <a16:creationId xmlns:a16="http://schemas.microsoft.com/office/drawing/2014/main" id="{CDEECF43-02F3-7C4C-8BA5-E266BAB60984}"/>
+              </a:ext>
+            </a:extLst>
+          </p:cNvPr>
+          <p:cNvSpPr/>
+          <p:nvPr/>
+        </p:nvSpPr>
+        <p:spPr>
+          <a:xfrm>
+            <a:off x="4162812" y="325634"/>
+            <a:ext cx="526093" cy="509232"/>
+          </a:xfrm>
+          <a:prstGeom prst="ellipse">
+            <a:avLst/>
+          </a:prstGeom>
+          <a:noFill/>
+          <a:ln>
+            <a:solidFill>
+              <a:schemeClr val="tx1"/>
+            </a:solidFill>
+          </a:ln>
+        </p:spPr>
+        <p:style>
+          <a:lnRef idx="2">
+            <a:schemeClr val="accent1">
+              <a:shade val="50000"/>
+            </a:schemeClr>
+          </a:lnRef>
+          <a:fillRef idx="1">
+            <a:schemeClr val="accent1"/>
+          </a:fillRef>
+          <a:effectRef idx="0">
+            <a:schemeClr val="accent1"/>
+          </a:effectRef>
+          <a:fontRef idx="minor">
+            <a:schemeClr val="lt1"/>
+          </a:fontRef>
+        </p:style>
+        <p:txBody>
+          <a:bodyPr rtlCol="0" anchor="ctr"/>
+          <a:lstStyle/>
+          <a:p>
+            <a:pPr algn="ctr"/>
+            <a:endParaRPr kumimoji="1" lang="zh-CN" altLang="en-US" dirty="0"/>
+          </a:p>
+        </p:txBody>
+      </p:sp>
+      <p:sp>
+        <p:nvSpPr>
+          <p:cNvPr id="18" name="椭圆 17">
+            <a:extLst>
+              <a:ext uri="{FF2B5EF4-FFF2-40B4-BE49-F238E27FC236}">
+                <a16:creationId xmlns:a16="http://schemas.microsoft.com/office/drawing/2014/main" id="{5D046EA9-31C3-DC42-9AE1-A0BD3CB3A0D8}"/>
+              </a:ext>
+            </a:extLst>
+          </p:cNvPr>
+          <p:cNvSpPr/>
+          <p:nvPr/>
+        </p:nvSpPr>
+        <p:spPr>
+          <a:xfrm>
+            <a:off x="4972831" y="291949"/>
+            <a:ext cx="526093" cy="509232"/>
+          </a:xfrm>
+          <a:prstGeom prst="ellipse">
+            <a:avLst/>
+          </a:prstGeom>
+          <a:noFill/>
+          <a:ln>
+            <a:solidFill>
+              <a:schemeClr val="tx1"/>
+            </a:solidFill>
+          </a:ln>
+        </p:spPr>
+        <p:style>
+          <a:lnRef idx="2">
+            <a:schemeClr val="accent1">
+              <a:shade val="50000"/>
+            </a:schemeClr>
+          </a:lnRef>
+          <a:fillRef idx="1">
+            <a:schemeClr val="accent1"/>
+          </a:fillRef>
+          <a:effectRef idx="0">
+            <a:schemeClr val="accent1"/>
+          </a:effectRef>
+          <a:fontRef idx="minor">
+            <a:schemeClr val="lt1"/>
+          </a:fontRef>
+        </p:style>
+        <p:txBody>
+          <a:bodyPr rtlCol="0" anchor="ctr"/>
+          <a:lstStyle/>
+          <a:p>
+            <a:pPr algn="ctr"/>
+            <a:endParaRPr kumimoji="1" lang="zh-CN" altLang="en-US" dirty="0"/>
+          </a:p>
+        </p:txBody>
+      </p:sp>
+      <p:sp>
+        <p:nvSpPr>
+          <p:cNvPr id="19" name="椭圆 18">
+            <a:extLst>
+              <a:ext uri="{FF2B5EF4-FFF2-40B4-BE49-F238E27FC236}">
+                <a16:creationId xmlns:a16="http://schemas.microsoft.com/office/drawing/2014/main" id="{8FFFFC44-FBF9-2140-9A69-6448156ACCC1}"/>
+              </a:ext>
+            </a:extLst>
+          </p:cNvPr>
+          <p:cNvSpPr/>
+          <p:nvPr/>
+        </p:nvSpPr>
+        <p:spPr>
+          <a:xfrm>
+            <a:off x="7198288" y="2488663"/>
+            <a:ext cx="526093" cy="509232"/>
+          </a:xfrm>
+          <a:prstGeom prst="ellipse">
+            <a:avLst/>
+          </a:prstGeom>
+          <a:noFill/>
+          <a:ln>
+            <a:solidFill>
+              <a:schemeClr val="tx1"/>
+            </a:solidFill>
+          </a:ln>
+        </p:spPr>
+        <p:style>
+          <a:lnRef idx="2">
+            <a:schemeClr val="accent1">
+              <a:shade val="50000"/>
+            </a:schemeClr>
+          </a:lnRef>
+          <a:fillRef idx="1">
+            <a:schemeClr val="accent1"/>
+          </a:fillRef>
+          <a:effectRef idx="0">
+            <a:schemeClr val="accent1"/>
+          </a:effectRef>
+          <a:fontRef idx="minor">
+            <a:schemeClr val="lt1"/>
+          </a:fontRef>
+        </p:style>
+        <p:txBody>
+          <a:bodyPr rtlCol="0" anchor="ctr"/>
+          <a:lstStyle/>
+          <a:p>
+            <a:pPr algn="ctr"/>
+            <a:endParaRPr kumimoji="1" lang="zh-CN" altLang="en-US" dirty="0"/>
+          </a:p>
+        </p:txBody>
+      </p:sp>
+      <p:sp>
+        <p:nvSpPr>
+          <p:cNvPr id="20" name="椭圆 19">
+            <a:extLst>
+              <a:ext uri="{FF2B5EF4-FFF2-40B4-BE49-F238E27FC236}">
+                <a16:creationId xmlns:a16="http://schemas.microsoft.com/office/drawing/2014/main" id="{7469718B-0845-5A4B-9283-2975F35AEAFD}"/>
+              </a:ext>
+            </a:extLst>
+          </p:cNvPr>
+          <p:cNvSpPr/>
+          <p:nvPr/>
+        </p:nvSpPr>
+        <p:spPr>
+          <a:xfrm>
+            <a:off x="7198287" y="3383632"/>
+            <a:ext cx="526093" cy="509232"/>
+          </a:xfrm>
+          <a:prstGeom prst="ellipse">
+            <a:avLst/>
+          </a:prstGeom>
+          <a:noFill/>
+          <a:ln>
+            <a:solidFill>
+              <a:schemeClr val="tx1"/>
+            </a:solidFill>
+          </a:ln>
+        </p:spPr>
+        <p:style>
+          <a:lnRef idx="2">
+            <a:schemeClr val="accent1">
+              <a:shade val="50000"/>
+            </a:schemeClr>
+          </a:lnRef>
+          <a:fillRef idx="1">
+            <a:schemeClr val="accent1"/>
+          </a:fillRef>
+          <a:effectRef idx="0">
+            <a:schemeClr val="accent1"/>
+          </a:effectRef>
+          <a:fontRef idx="minor">
+            <a:schemeClr val="lt1"/>
+          </a:fontRef>
+        </p:style>
+        <p:txBody>
+          <a:bodyPr rtlCol="0" anchor="ctr"/>
+          <a:lstStyle/>
+          <a:p>
+            <a:pPr algn="ctr"/>
+            <a:endParaRPr kumimoji="1" lang="zh-CN" altLang="en-US" dirty="0"/>
+          </a:p>
+        </p:txBody>
+      </p:sp>
+      <p:sp>
+        <p:nvSpPr>
+          <p:cNvPr id="21" name="椭圆 20">
+            <a:extLst>
+              <a:ext uri="{FF2B5EF4-FFF2-40B4-BE49-F238E27FC236}">
+                <a16:creationId xmlns:a16="http://schemas.microsoft.com/office/drawing/2014/main" id="{E27B2F51-E2B8-4D46-8A1E-8C54777F721E}"/>
+              </a:ext>
+            </a:extLst>
+          </p:cNvPr>
+          <p:cNvSpPr/>
+          <p:nvPr/>
+        </p:nvSpPr>
+        <p:spPr>
+          <a:xfrm>
+            <a:off x="4989528" y="4123310"/>
+            <a:ext cx="526093" cy="509232"/>
+          </a:xfrm>
+          <a:prstGeom prst="ellipse">
+            <a:avLst/>
+          </a:prstGeom>
+          <a:noFill/>
+          <a:ln>
+            <a:solidFill>
+              <a:schemeClr val="tx1"/>
+            </a:solidFill>
+          </a:ln>
+        </p:spPr>
+        <p:style>
+          <a:lnRef idx="2">
+            <a:schemeClr val="accent1">
+              <a:shade val="50000"/>
+            </a:schemeClr>
+          </a:lnRef>
+          <a:fillRef idx="1">
+            <a:schemeClr val="accent1"/>
+          </a:fillRef>
+          <a:effectRef idx="0">
+            <a:schemeClr val="accent1"/>
+          </a:effectRef>
+          <a:fontRef idx="minor">
+            <a:schemeClr val="lt1"/>
+          </a:fontRef>
+        </p:style>
+        <p:txBody>
+          <a:bodyPr rtlCol="0" anchor="ctr"/>
+          <a:lstStyle/>
+          <a:p>
+            <a:pPr algn="ctr"/>
+            <a:endParaRPr kumimoji="1" lang="zh-CN" altLang="en-US" dirty="0"/>
+          </a:p>
+        </p:txBody>
+      </p:sp>
+      <p:sp>
+        <p:nvSpPr>
+          <p:cNvPr id="22" name="椭圆 21">
+            <a:extLst>
+              <a:ext uri="{FF2B5EF4-FFF2-40B4-BE49-F238E27FC236}">
+                <a16:creationId xmlns:a16="http://schemas.microsoft.com/office/drawing/2014/main" id="{A97FC7B4-044F-7645-A232-585F651939F6}"/>
+              </a:ext>
+            </a:extLst>
+          </p:cNvPr>
+          <p:cNvSpPr/>
+          <p:nvPr/>
+        </p:nvSpPr>
+        <p:spPr>
+          <a:xfrm>
+            <a:off x="1446750" y="3858417"/>
+            <a:ext cx="526093" cy="509232"/>
+          </a:xfrm>
+          <a:prstGeom prst="ellipse">
+            <a:avLst/>
+          </a:prstGeom>
+          <a:noFill/>
+          <a:ln>
+            <a:solidFill>
+              <a:schemeClr val="tx1"/>
+            </a:solidFill>
+          </a:ln>
+        </p:spPr>
+        <p:style>
+          <a:lnRef idx="2">
+            <a:schemeClr val="accent1">
+              <a:shade val="50000"/>
+            </a:schemeClr>
+          </a:lnRef>
+          <a:fillRef idx="1">
+            <a:schemeClr val="accent1"/>
+          </a:fillRef>
+          <a:effectRef idx="0">
+            <a:schemeClr val="accent1"/>
+          </a:effectRef>
+          <a:fontRef idx="minor">
+            <a:schemeClr val="lt1"/>
+          </a:fontRef>
+        </p:style>
+        <p:txBody>
+          <a:bodyPr rtlCol="0" anchor="ctr"/>
+          <a:lstStyle/>
+          <a:p>
+            <a:pPr algn="ctr"/>
+            <a:endParaRPr kumimoji="1" lang="zh-CN" altLang="en-US" dirty="0"/>
+          </a:p>
+        </p:txBody>
+      </p:sp>
+      <p:sp>
+        <p:nvSpPr>
+          <p:cNvPr id="23" name="椭圆 22">
+            <a:extLst>
+              <a:ext uri="{FF2B5EF4-FFF2-40B4-BE49-F238E27FC236}">
+                <a16:creationId xmlns:a16="http://schemas.microsoft.com/office/drawing/2014/main" id="{111B8F59-2F1F-B347-88C3-E4C6DE2FB159}"/>
+              </a:ext>
+            </a:extLst>
+          </p:cNvPr>
+          <p:cNvSpPr/>
+          <p:nvPr/>
+        </p:nvSpPr>
+        <p:spPr>
+          <a:xfrm>
+            <a:off x="3546949" y="801825"/>
+            <a:ext cx="526093" cy="509232"/>
+          </a:xfrm>
+          <a:prstGeom prst="ellipse">
+            <a:avLst/>
+          </a:prstGeom>
+          <a:noFill/>
+          <a:ln>
+            <a:solidFill>
+              <a:schemeClr val="tx1"/>
+            </a:solidFill>
+          </a:ln>
+        </p:spPr>
+        <p:style>
+          <a:lnRef idx="2">
+            <a:schemeClr val="accent1">
+              <a:shade val="50000"/>
+            </a:schemeClr>
+          </a:lnRef>
+          <a:fillRef idx="1">
+            <a:schemeClr val="accent1"/>
+          </a:fillRef>
+          <a:effectRef idx="0">
+            <a:schemeClr val="accent1"/>
+          </a:effectRef>
+          <a:fontRef idx="minor">
+            <a:schemeClr val="lt1"/>
+          </a:fontRef>
+        </p:style>
+        <p:txBody>
+          <a:bodyPr rtlCol="0" anchor="ctr"/>
+          <a:lstStyle/>
+          <a:p>
+            <a:pPr algn="ctr"/>
+            <a:endParaRPr kumimoji="1" lang="zh-CN" altLang="en-US" dirty="0"/>
+          </a:p>
+        </p:txBody>
+      </p:sp>
+      <p:sp>
+        <p:nvSpPr>
+          <p:cNvPr id="25" name="椭圆 24">
+            <a:extLst>
+              <a:ext uri="{FF2B5EF4-FFF2-40B4-BE49-F238E27FC236}">
+                <a16:creationId xmlns:a16="http://schemas.microsoft.com/office/drawing/2014/main" id="{92ADBF2A-7775-094D-B673-1DC46426AFED}"/>
+              </a:ext>
+            </a:extLst>
+          </p:cNvPr>
+          <p:cNvSpPr/>
+          <p:nvPr/>
+        </p:nvSpPr>
+        <p:spPr>
+          <a:xfrm>
+            <a:off x="1446750" y="5179593"/>
+            <a:ext cx="526093" cy="509232"/>
+          </a:xfrm>
+          <a:prstGeom prst="ellipse">
+            <a:avLst/>
+          </a:prstGeom>
+          <a:noFill/>
+          <a:ln>
+            <a:solidFill>
+              <a:schemeClr val="tx1"/>
+            </a:solidFill>
+          </a:ln>
+        </p:spPr>
+        <p:style>
+          <a:lnRef idx="2">
+            <a:schemeClr val="accent1">
+              <a:shade val="50000"/>
+            </a:schemeClr>
+          </a:lnRef>
+          <a:fillRef idx="1">
+            <a:schemeClr val="accent1"/>
+          </a:fillRef>
+          <a:effectRef idx="0">
+            <a:schemeClr val="accent1"/>
+          </a:effectRef>
+          <a:fontRef idx="minor">
+            <a:schemeClr val="lt1"/>
+          </a:fontRef>
+        </p:style>
+        <p:txBody>
+          <a:bodyPr rtlCol="0" anchor="ctr"/>
+          <a:lstStyle/>
+          <a:p>
+            <a:pPr algn="ctr"/>
+            <a:endParaRPr kumimoji="1" lang="zh-CN" altLang="en-US" dirty="0"/>
+          </a:p>
+        </p:txBody>
+      </p:sp>
+      <p:sp>
+        <p:nvSpPr>
+          <p:cNvPr id="26" name="椭圆 25">
+            <a:extLst>
+              <a:ext uri="{FF2B5EF4-FFF2-40B4-BE49-F238E27FC236}">
+                <a16:creationId xmlns:a16="http://schemas.microsoft.com/office/drawing/2014/main" id="{ED82A96D-FB3D-F74B-90CA-94A8730B81A5}"/>
+              </a:ext>
+            </a:extLst>
+          </p:cNvPr>
+          <p:cNvSpPr/>
+          <p:nvPr/>
+        </p:nvSpPr>
+        <p:spPr>
+          <a:xfrm>
+            <a:off x="1446749" y="4519005"/>
+            <a:ext cx="526093" cy="509232"/>
+          </a:xfrm>
+          <a:prstGeom prst="ellipse">
+            <a:avLst/>
+          </a:prstGeom>
+          <a:noFill/>
+          <a:ln>
+            <a:solidFill>
+              <a:schemeClr val="tx1"/>
+            </a:solidFill>
+          </a:ln>
+        </p:spPr>
+        <p:style>
+          <a:lnRef idx="2">
+            <a:schemeClr val="accent1">
+              <a:shade val="50000"/>
+            </a:schemeClr>
+          </a:lnRef>
+          <a:fillRef idx="1">
+            <a:schemeClr val="accent1"/>
+          </a:fillRef>
+          <a:effectRef idx="0">
+            <a:schemeClr val="accent1"/>
+          </a:effectRef>
+          <a:fontRef idx="minor">
+            <a:schemeClr val="lt1"/>
+          </a:fontRef>
+        </p:style>
+        <p:txBody>
+          <a:bodyPr rtlCol="0" anchor="ctr"/>
+          <a:lstStyle/>
+          <a:p>
+            <a:pPr algn="ctr"/>
+            <a:endParaRPr kumimoji="1" lang="zh-CN" altLang="en-US" dirty="0"/>
+          </a:p>
+        </p:txBody>
+      </p:sp>
+      <p:cxnSp>
+        <p:nvCxnSpPr>
+          <p:cNvPr id="28" name="直线连接符 27">
+            <a:extLst>
+              <a:ext uri="{FF2B5EF4-FFF2-40B4-BE49-F238E27FC236}">
+                <a16:creationId xmlns:a16="http://schemas.microsoft.com/office/drawing/2014/main" id="{6A47AC5E-564D-2247-AE89-852F82253F72}"/>
+              </a:ext>
+            </a:extLst>
+          </p:cNvPr>
+          <p:cNvCxnSpPr>
+            <a:stCxn id="11" idx="0"/>
+            <a:endCxn id="18" idx="4"/>
+          </p:cNvCxnSpPr>
+          <p:nvPr/>
+        </p:nvCxnSpPr>
+        <p:spPr>
+          <a:xfrm flipH="1" flipV="1">
+            <a:off x="5235878" y="801181"/>
+            <a:ext cx="1" cy="1022399"/>
+          </a:xfrm>
+          <a:prstGeom prst="line">
+            <a:avLst/>
+          </a:prstGeom>
+          <a:ln w="63500"/>
+        </p:spPr>
+        <p:style>
+          <a:lnRef idx="1">
+            <a:schemeClr val="accent1"/>
+          </a:lnRef>
+          <a:fillRef idx="0">
+            <a:schemeClr val="accent1"/>
+          </a:fillRef>
+          <a:effectRef idx="0">
+            <a:schemeClr val="accent1"/>
+          </a:effectRef>
+          <a:fontRef idx="minor">
+            <a:schemeClr val="tx1"/>
+          </a:fontRef>
+        </p:style>
+      </p:cxnSp>
+      <p:cxnSp>
+        <p:nvCxnSpPr>
+          <p:cNvPr id="30" name="直线连接符 29">
+            <a:extLst>
+              <a:ext uri="{FF2B5EF4-FFF2-40B4-BE49-F238E27FC236}">
+                <a16:creationId xmlns:a16="http://schemas.microsoft.com/office/drawing/2014/main" id="{2093A60E-EBA1-0F46-BAB6-59FE19FF65FC}"/>
+              </a:ext>
+            </a:extLst>
+          </p:cNvPr>
+          <p:cNvCxnSpPr>
+            <a:stCxn id="11" idx="0"/>
+            <a:endCxn id="17" idx="5"/>
+          </p:cNvCxnSpPr>
+          <p:nvPr/>
+        </p:nvCxnSpPr>
+        <p:spPr>
+          <a:xfrm flipH="1" flipV="1">
+            <a:off x="4611860" y="760291"/>
+            <a:ext cx="624019" cy="1063289"/>
+          </a:xfrm>
+          <a:prstGeom prst="line">
+            <a:avLst/>
+          </a:prstGeom>
+          <a:ln w="63500"/>
+        </p:spPr>
+        <p:style>
+          <a:lnRef idx="1">
+            <a:schemeClr val="accent1"/>
+          </a:lnRef>
+          <a:fillRef idx="0">
+            <a:schemeClr val="accent1"/>
+          </a:fillRef>
+          <a:effectRef idx="0">
+            <a:schemeClr val="accent1"/>
+          </a:effectRef>
+          <a:fontRef idx="minor">
+            <a:schemeClr val="tx1"/>
+          </a:fontRef>
+        </p:style>
+      </p:cxnSp>
+      <p:cxnSp>
+        <p:nvCxnSpPr>
+          <p:cNvPr id="32" name="直线连接符 31">
+            <a:extLst>
+              <a:ext uri="{FF2B5EF4-FFF2-40B4-BE49-F238E27FC236}">
+                <a16:creationId xmlns:a16="http://schemas.microsoft.com/office/drawing/2014/main" id="{02582831-31F9-674B-8E6C-47072B8995EE}"/>
+              </a:ext>
+            </a:extLst>
+          </p:cNvPr>
+          <p:cNvCxnSpPr>
+            <a:stCxn id="11" idx="0"/>
+            <a:endCxn id="23" idx="5"/>
+          </p:cNvCxnSpPr>
+          <p:nvPr/>
+        </p:nvCxnSpPr>
+        <p:spPr>
+          <a:xfrm flipH="1" flipV="1">
+            <a:off x="3995997" y="1236482"/>
+            <a:ext cx="1239882" cy="587098"/>
+          </a:xfrm>
+          <a:prstGeom prst="line">
+            <a:avLst/>
+          </a:prstGeom>
+          <a:ln w="63500"/>
+        </p:spPr>
+        <p:style>
+          <a:lnRef idx="1">
+            <a:schemeClr val="accent1"/>
+          </a:lnRef>
+          <a:fillRef idx="0">
+            <a:schemeClr val="accent1"/>
+          </a:fillRef>
+          <a:effectRef idx="0">
+            <a:schemeClr val="accent1"/>
+          </a:effectRef>
+          <a:fontRef idx="minor">
+            <a:schemeClr val="tx1"/>
+          </a:fontRef>
+        </p:style>
+      </p:cxnSp>
+      <p:cxnSp>
+        <p:nvCxnSpPr>
+          <p:cNvPr id="34" name="直线连接符 33">
+            <a:extLst>
+              <a:ext uri="{FF2B5EF4-FFF2-40B4-BE49-F238E27FC236}">
+                <a16:creationId xmlns:a16="http://schemas.microsoft.com/office/drawing/2014/main" id="{1E4655F8-BDE9-A54A-86F8-665216DA532E}"/>
+              </a:ext>
+            </a:extLst>
+          </p:cNvPr>
+          <p:cNvCxnSpPr>
+            <a:stCxn id="11" idx="2"/>
+            <a:endCxn id="15" idx="6"/>
+          </p:cNvCxnSpPr>
+          <p:nvPr/>
+        </p:nvCxnSpPr>
+        <p:spPr>
+          <a:xfrm flipH="1" flipV="1">
+            <a:off x="3885153" y="1916402"/>
+            <a:ext cx="1087679" cy="161794"/>
+          </a:xfrm>
+          <a:prstGeom prst="line">
+            <a:avLst/>
+          </a:prstGeom>
+          <a:ln w="63500"/>
+        </p:spPr>
+        <p:style>
+          <a:lnRef idx="1">
+            <a:schemeClr val="accent1"/>
+          </a:lnRef>
+          <a:fillRef idx="0">
+            <a:schemeClr val="accent1"/>
+          </a:fillRef>
+          <a:effectRef idx="0">
+            <a:schemeClr val="accent1"/>
+          </a:effectRef>
+          <a:fontRef idx="minor">
+            <a:schemeClr val="tx1"/>
+          </a:fontRef>
+        </p:style>
+      </p:cxnSp>
+      <p:cxnSp>
+        <p:nvCxnSpPr>
+          <p:cNvPr id="36" name="直线连接符 35">
+            <a:extLst>
+              <a:ext uri="{FF2B5EF4-FFF2-40B4-BE49-F238E27FC236}">
+                <a16:creationId xmlns:a16="http://schemas.microsoft.com/office/drawing/2014/main" id="{A1ECE67B-15ED-8A4E-9DE7-4C6980B0D710}"/>
+              </a:ext>
+            </a:extLst>
+          </p:cNvPr>
+          <p:cNvCxnSpPr>
+            <a:stCxn id="10" idx="2"/>
+            <a:endCxn id="14" idx="6"/>
+          </p:cNvCxnSpPr>
+          <p:nvPr/>
+        </p:nvCxnSpPr>
+        <p:spPr>
+          <a:xfrm flipH="1" flipV="1">
+            <a:off x="3885154" y="2608465"/>
+            <a:ext cx="1087678" cy="389430"/>
+          </a:xfrm>
+          <a:prstGeom prst="line">
+            <a:avLst/>
+          </a:prstGeom>
+          <a:ln w="63500"/>
+        </p:spPr>
+        <p:style>
+          <a:lnRef idx="1">
+            <a:schemeClr val="accent1"/>
+          </a:lnRef>
+          <a:fillRef idx="0">
+            <a:schemeClr val="accent1"/>
+          </a:fillRef>
+          <a:effectRef idx="0">
+            <a:schemeClr val="accent1"/>
+          </a:effectRef>
+          <a:fontRef idx="minor">
+            <a:schemeClr val="tx1"/>
+          </a:fontRef>
+        </p:style>
+      </p:cxnSp>
+      <p:cxnSp>
+        <p:nvCxnSpPr>
+          <p:cNvPr id="38" name="直线连接符 37">
+            <a:extLst>
+              <a:ext uri="{FF2B5EF4-FFF2-40B4-BE49-F238E27FC236}">
+                <a16:creationId xmlns:a16="http://schemas.microsoft.com/office/drawing/2014/main" id="{FF012E50-A166-B644-9E99-02E156B8C839}"/>
+              </a:ext>
+            </a:extLst>
+          </p:cNvPr>
+          <p:cNvCxnSpPr>
+            <a:stCxn id="10" idx="2"/>
+            <a:endCxn id="15" idx="6"/>
+          </p:cNvCxnSpPr>
+          <p:nvPr/>
+        </p:nvCxnSpPr>
+        <p:spPr>
+          <a:xfrm flipH="1" flipV="1">
+            <a:off x="3885153" y="1916402"/>
+            <a:ext cx="1087679" cy="1081493"/>
+          </a:xfrm>
+          <a:prstGeom prst="line">
+            <a:avLst/>
+          </a:prstGeom>
+          <a:ln w="63500"/>
+        </p:spPr>
+        <p:style>
+          <a:lnRef idx="1">
+            <a:schemeClr val="accent1"/>
+          </a:lnRef>
+          <a:fillRef idx="0">
+            <a:schemeClr val="accent1"/>
+          </a:fillRef>
+          <a:effectRef idx="0">
+            <a:schemeClr val="accent1"/>
+          </a:effectRef>
+          <a:fontRef idx="minor">
+            <a:schemeClr val="tx1"/>
+          </a:fontRef>
+        </p:style>
+      </p:cxnSp>
+      <p:cxnSp>
+        <p:nvCxnSpPr>
+          <p:cNvPr id="40" name="直线连接符 39">
+            <a:extLst>
+              <a:ext uri="{FF2B5EF4-FFF2-40B4-BE49-F238E27FC236}">
+                <a16:creationId xmlns:a16="http://schemas.microsoft.com/office/drawing/2014/main" id="{80835E57-BFBA-EB47-92BD-C847549C62A6}"/>
+              </a:ext>
+            </a:extLst>
+          </p:cNvPr>
+          <p:cNvCxnSpPr>
+            <a:stCxn id="10" idx="2"/>
+            <a:endCxn id="12" idx="6"/>
+          </p:cNvCxnSpPr>
+          <p:nvPr/>
+        </p:nvCxnSpPr>
+        <p:spPr>
+          <a:xfrm flipH="1">
+            <a:off x="3885155" y="2997895"/>
+            <a:ext cx="1087677" cy="302633"/>
+          </a:xfrm>
+          <a:prstGeom prst="line">
+            <a:avLst/>
+          </a:prstGeom>
+          <a:ln w="63500"/>
+        </p:spPr>
+        <p:style>
+          <a:lnRef idx="1">
+            <a:schemeClr val="accent1"/>
+          </a:lnRef>
+          <a:fillRef idx="0">
+            <a:schemeClr val="accent1"/>
+          </a:fillRef>
+          <a:effectRef idx="0">
+            <a:schemeClr val="accent1"/>
+          </a:effectRef>
+          <a:fontRef idx="minor">
+            <a:schemeClr val="tx1"/>
+          </a:fontRef>
+        </p:style>
+      </p:cxnSp>
+      <p:cxnSp>
+        <p:nvCxnSpPr>
+          <p:cNvPr id="42" name="直线连接符 41">
+            <a:extLst>
+              <a:ext uri="{FF2B5EF4-FFF2-40B4-BE49-F238E27FC236}">
+                <a16:creationId xmlns:a16="http://schemas.microsoft.com/office/drawing/2014/main" id="{3E486875-1770-674D-80F8-E5F8992B7152}"/>
+              </a:ext>
+            </a:extLst>
+          </p:cNvPr>
+          <p:cNvCxnSpPr>
+            <a:stCxn id="10" idx="2"/>
+            <a:endCxn id="13" idx="6"/>
+          </p:cNvCxnSpPr>
+          <p:nvPr/>
+        </p:nvCxnSpPr>
+        <p:spPr>
+          <a:xfrm flipH="1">
+            <a:off x="3885155" y="2997895"/>
+            <a:ext cx="1087677" cy="1004091"/>
+          </a:xfrm>
+          <a:prstGeom prst="line">
+            <a:avLst/>
+          </a:prstGeom>
+          <a:ln w="63500"/>
+        </p:spPr>
+        <p:style>
+          <a:lnRef idx="1">
+            <a:schemeClr val="accent1"/>
+          </a:lnRef>
+          <a:fillRef idx="0">
+            <a:schemeClr val="accent1"/>
+          </a:fillRef>
+          <a:effectRef idx="0">
+            <a:schemeClr val="accent1"/>
+          </a:effectRef>
+          <a:fontRef idx="minor">
+            <a:schemeClr val="tx1"/>
+          </a:fontRef>
+        </p:style>
+      </p:cxnSp>
+      <p:cxnSp>
+        <p:nvCxnSpPr>
+          <p:cNvPr id="44" name="直线连接符 43">
+            <a:extLst>
+              <a:ext uri="{FF2B5EF4-FFF2-40B4-BE49-F238E27FC236}">
+                <a16:creationId xmlns:a16="http://schemas.microsoft.com/office/drawing/2014/main" id="{F7805C08-148C-4645-A2BA-1E5067F13DB8}"/>
+              </a:ext>
+            </a:extLst>
+          </p:cNvPr>
+          <p:cNvCxnSpPr>
+            <a:stCxn id="16" idx="2"/>
+            <a:endCxn id="22" idx="6"/>
+          </p:cNvCxnSpPr>
+          <p:nvPr/>
+        </p:nvCxnSpPr>
+        <p:spPr>
+          <a:xfrm flipH="1" flipV="1">
+            <a:off x="1972843" y="4113033"/>
+            <a:ext cx="1478068" cy="828566"/>
+          </a:xfrm>
+          <a:prstGeom prst="line">
+            <a:avLst/>
+          </a:prstGeom>
+          <a:ln w="63500"/>
+        </p:spPr>
+        <p:style>
+          <a:lnRef idx="1">
+            <a:schemeClr val="accent1"/>
+          </a:lnRef>
+          <a:fillRef idx="0">
+            <a:schemeClr val="accent1"/>
+          </a:fillRef>
+          <a:effectRef idx="0">
+            <a:schemeClr val="accent1"/>
+          </a:effectRef>
+          <a:fontRef idx="minor">
+            <a:schemeClr val="tx1"/>
+          </a:fontRef>
+        </p:style>
+      </p:cxnSp>
+      <p:cxnSp>
+        <p:nvCxnSpPr>
+          <p:cNvPr id="46" name="直线连接符 45">
+            <a:extLst>
+              <a:ext uri="{FF2B5EF4-FFF2-40B4-BE49-F238E27FC236}">
+                <a16:creationId xmlns:a16="http://schemas.microsoft.com/office/drawing/2014/main" id="{FA68A5F3-ACD9-FD41-A479-918A4211B26C}"/>
+              </a:ext>
+            </a:extLst>
+          </p:cNvPr>
+          <p:cNvCxnSpPr>
+            <a:stCxn id="16" idx="2"/>
+            <a:endCxn id="26" idx="6"/>
+          </p:cNvCxnSpPr>
+          <p:nvPr/>
+        </p:nvCxnSpPr>
+        <p:spPr>
+          <a:xfrm flipH="1" flipV="1">
+            <a:off x="1972842" y="4773621"/>
+            <a:ext cx="1478069" cy="167978"/>
+          </a:xfrm>
+          <a:prstGeom prst="line">
+            <a:avLst/>
+          </a:prstGeom>
+          <a:ln w="63500"/>
+        </p:spPr>
+        <p:style>
+          <a:lnRef idx="1">
+            <a:schemeClr val="accent1"/>
+          </a:lnRef>
+          <a:fillRef idx="0">
+            <a:schemeClr val="accent1"/>
+          </a:fillRef>
+          <a:effectRef idx="0">
+            <a:schemeClr val="accent1"/>
+          </a:effectRef>
+          <a:fontRef idx="minor">
+            <a:schemeClr val="tx1"/>
+          </a:fontRef>
+        </p:style>
+      </p:cxnSp>
+      <p:cxnSp>
+        <p:nvCxnSpPr>
+          <p:cNvPr id="48" name="直线连接符 47">
+            <a:extLst>
+              <a:ext uri="{FF2B5EF4-FFF2-40B4-BE49-F238E27FC236}">
+                <a16:creationId xmlns:a16="http://schemas.microsoft.com/office/drawing/2014/main" id="{CA01CA9E-7538-8B45-AF77-FCEA8EEA60F0}"/>
+              </a:ext>
+            </a:extLst>
+          </p:cNvPr>
+          <p:cNvCxnSpPr>
+            <a:stCxn id="16" idx="2"/>
+            <a:endCxn id="25" idx="6"/>
+          </p:cNvCxnSpPr>
+          <p:nvPr/>
+        </p:nvCxnSpPr>
+        <p:spPr>
+          <a:xfrm flipH="1">
+            <a:off x="1972843" y="4941599"/>
+            <a:ext cx="1478068" cy="492610"/>
+          </a:xfrm>
+          <a:prstGeom prst="line">
+            <a:avLst/>
+          </a:prstGeom>
+          <a:ln w="63500"/>
+        </p:spPr>
+        <p:style>
+          <a:lnRef idx="1">
+            <a:schemeClr val="accent1"/>
+          </a:lnRef>
+          <a:fillRef idx="0">
+            <a:schemeClr val="accent1"/>
+          </a:fillRef>
+          <a:effectRef idx="0">
+            <a:schemeClr val="accent1"/>
+          </a:effectRef>
+          <a:fontRef idx="minor">
+            <a:schemeClr val="tx1"/>
+          </a:fontRef>
+        </p:style>
+      </p:cxnSp>
+      <p:cxnSp>
+        <p:nvCxnSpPr>
+          <p:cNvPr id="50" name="直线连接符 49">
+            <a:extLst>
+              <a:ext uri="{FF2B5EF4-FFF2-40B4-BE49-F238E27FC236}">
+                <a16:creationId xmlns:a16="http://schemas.microsoft.com/office/drawing/2014/main" id="{E5CC5F48-45D9-014A-A8A1-9D34DD887265}"/>
+              </a:ext>
+            </a:extLst>
+          </p:cNvPr>
+          <p:cNvCxnSpPr>
+            <a:stCxn id="11" idx="4"/>
+            <a:endCxn id="10" idx="0"/>
+          </p:cNvCxnSpPr>
+          <p:nvPr/>
+        </p:nvCxnSpPr>
+        <p:spPr>
+          <a:xfrm>
+            <a:off x="5235879" y="2332812"/>
+            <a:ext cx="0" cy="410467"/>
+          </a:xfrm>
+          <a:prstGeom prst="line">
+            <a:avLst/>
+          </a:prstGeom>
+          <a:ln w="63500"/>
+        </p:spPr>
+        <p:style>
+          <a:lnRef idx="1">
+            <a:schemeClr val="dk1"/>
+          </a:lnRef>
+          <a:fillRef idx="0">
+            <a:schemeClr val="dk1"/>
+          </a:fillRef>
+          <a:effectRef idx="0">
+            <a:schemeClr val="dk1"/>
+          </a:effectRef>
+          <a:fontRef idx="minor">
+            <a:schemeClr val="tx1"/>
+          </a:fontRef>
+        </p:style>
+      </p:cxnSp>
+      <p:cxnSp>
+        <p:nvCxnSpPr>
+          <p:cNvPr id="52" name="直线连接符 51">
+            <a:extLst>
+              <a:ext uri="{FF2B5EF4-FFF2-40B4-BE49-F238E27FC236}">
+                <a16:creationId xmlns:a16="http://schemas.microsoft.com/office/drawing/2014/main" id="{F5738DFC-617E-C640-ADA9-70F07850F928}"/>
+              </a:ext>
+            </a:extLst>
+          </p:cNvPr>
+          <p:cNvCxnSpPr>
+            <a:stCxn id="10" idx="4"/>
+            <a:endCxn id="21" idx="0"/>
+          </p:cNvCxnSpPr>
+          <p:nvPr/>
+        </p:nvCxnSpPr>
+        <p:spPr>
+          <a:xfrm>
+            <a:off x="5235879" y="3252511"/>
+            <a:ext cx="16696" cy="870799"/>
+          </a:xfrm>
+          <a:prstGeom prst="line">
+            <a:avLst/>
+          </a:prstGeom>
+          <a:ln w="63500"/>
+        </p:spPr>
+        <p:style>
+          <a:lnRef idx="1">
+            <a:schemeClr val="accent4"/>
+          </a:lnRef>
+          <a:fillRef idx="0">
+            <a:schemeClr val="accent4"/>
+          </a:fillRef>
+          <a:effectRef idx="0">
+            <a:schemeClr val="accent4"/>
+          </a:effectRef>
+          <a:fontRef idx="minor">
+            <a:schemeClr val="tx1"/>
+          </a:fontRef>
+        </p:style>
+      </p:cxnSp>
+      <p:cxnSp>
+        <p:nvCxnSpPr>
+          <p:cNvPr id="54" name="直线连接符 53">
+            <a:extLst>
+              <a:ext uri="{FF2B5EF4-FFF2-40B4-BE49-F238E27FC236}">
+                <a16:creationId xmlns:a16="http://schemas.microsoft.com/office/drawing/2014/main" id="{327215B8-234B-F145-B60F-E1E417925401}"/>
+              </a:ext>
+            </a:extLst>
+          </p:cNvPr>
+          <p:cNvCxnSpPr>
+            <a:cxnSpLocks/>
+            <a:stCxn id="10" idx="3"/>
+            <a:endCxn id="16" idx="6"/>
+          </p:cNvCxnSpPr>
+          <p:nvPr/>
+        </p:nvCxnSpPr>
+        <p:spPr>
+          <a:xfrm flipH="1">
+            <a:off x="3977004" y="3177936"/>
+            <a:ext cx="1072873" cy="1763663"/>
+          </a:xfrm>
+          <a:prstGeom prst="line">
+            <a:avLst/>
+          </a:prstGeom>
+          <a:ln w="63500"/>
+        </p:spPr>
+        <p:style>
+          <a:lnRef idx="1">
+            <a:schemeClr val="accent6"/>
+          </a:lnRef>
+          <a:fillRef idx="0">
+            <a:schemeClr val="accent6"/>
+          </a:fillRef>
+          <a:effectRef idx="0">
+            <a:schemeClr val="accent6"/>
+          </a:effectRef>
+          <a:fontRef idx="minor">
+            <a:schemeClr val="tx1"/>
+          </a:fontRef>
+        </p:style>
+      </p:cxnSp>
+      <p:cxnSp>
+        <p:nvCxnSpPr>
+          <p:cNvPr id="57" name="直线连接符 56">
+            <a:extLst>
+              <a:ext uri="{FF2B5EF4-FFF2-40B4-BE49-F238E27FC236}">
+                <a16:creationId xmlns:a16="http://schemas.microsoft.com/office/drawing/2014/main" id="{4617135C-2E9F-BA41-A607-126ECF884B69}"/>
+              </a:ext>
+            </a:extLst>
+          </p:cNvPr>
+          <p:cNvCxnSpPr>
+            <a:stCxn id="10" idx="6"/>
+            <a:endCxn id="19" idx="2"/>
+          </p:cNvCxnSpPr>
+          <p:nvPr/>
+        </p:nvCxnSpPr>
+        <p:spPr>
+          <a:xfrm flipV="1">
+            <a:off x="5498925" y="2743279"/>
+            <a:ext cx="1699363" cy="254616"/>
+          </a:xfrm>
+          <a:prstGeom prst="line">
+            <a:avLst/>
+          </a:prstGeom>
+          <a:ln w="63500">
+            <a:solidFill>
+              <a:srgbClr val="7030A0"/>
+            </a:solidFill>
+          </a:ln>
+        </p:spPr>
+        <p:style>
+          <a:lnRef idx="1">
+            <a:schemeClr val="accent1"/>
+          </a:lnRef>
+          <a:fillRef idx="0">
+            <a:schemeClr val="accent1"/>
+          </a:fillRef>
+          <a:effectRef idx="0">
+            <a:schemeClr val="accent1"/>
+          </a:effectRef>
+          <a:fontRef idx="minor">
+            <a:schemeClr val="tx1"/>
+          </a:fontRef>
+        </p:style>
+      </p:cxnSp>
+      <p:cxnSp>
+        <p:nvCxnSpPr>
+          <p:cNvPr id="59" name="直线连接符 58">
+            <a:extLst>
+              <a:ext uri="{FF2B5EF4-FFF2-40B4-BE49-F238E27FC236}">
+                <a16:creationId xmlns:a16="http://schemas.microsoft.com/office/drawing/2014/main" id="{3CEDD95C-DC70-CD42-82D3-1A6511F8511D}"/>
+              </a:ext>
+            </a:extLst>
+          </p:cNvPr>
+          <p:cNvCxnSpPr>
+            <a:stCxn id="10" idx="6"/>
+            <a:endCxn id="20" idx="2"/>
+          </p:cNvCxnSpPr>
+          <p:nvPr/>
+        </p:nvCxnSpPr>
+        <p:spPr>
+          <a:xfrm>
+            <a:off x="5498925" y="2997895"/>
+            <a:ext cx="1699362" cy="640353"/>
+          </a:xfrm>
+          <a:prstGeom prst="line">
+            <a:avLst/>
+          </a:prstGeom>
+          <a:ln w="63500">
+            <a:solidFill>
+              <a:srgbClr val="7030A0"/>
+            </a:solidFill>
+          </a:ln>
+        </p:spPr>
+        <p:style>
+          <a:lnRef idx="1">
+            <a:schemeClr val="accent1"/>
+          </a:lnRef>
+          <a:fillRef idx="0">
+            <a:schemeClr val="accent1"/>
+          </a:fillRef>
+          <a:effectRef idx="0">
+            <a:schemeClr val="accent1"/>
+          </a:effectRef>
+          <a:fontRef idx="minor">
+            <a:schemeClr val="tx1"/>
+          </a:fontRef>
+        </p:style>
+      </p:cxnSp>
+      <p:sp>
+        <p:nvSpPr>
+          <p:cNvPr id="62" name="文本框 61">
+            <a:extLst>
+              <a:ext uri="{FF2B5EF4-FFF2-40B4-BE49-F238E27FC236}">
+                <a16:creationId xmlns:a16="http://schemas.microsoft.com/office/drawing/2014/main" id="{66668CB2-65A9-2F4D-BD41-1A4DCD30E9D3}"/>
+              </a:ext>
+            </a:extLst>
+          </p:cNvPr>
+          <p:cNvSpPr txBox="1"/>
+          <p:nvPr/>
+        </p:nvSpPr>
+        <p:spPr>
+          <a:xfrm>
+            <a:off x="5404772" y="2527566"/>
+            <a:ext cx="1107996" cy="369332"/>
+          </a:xfrm>
+          <a:prstGeom prst="rect">
+            <a:avLst/>
+          </a:prstGeom>
+          <a:noFill/>
+        </p:spPr>
+        <p:txBody>
+          <a:bodyPr wrap="none" rtlCol="0">
+            <a:spAutoFit/>
+          </a:bodyPr>
+          <a:lstStyle/>
+          <a:p>
+            <a:r>
+              <a:rPr kumimoji="1" lang="zh-CN" altLang="en-US" dirty="0"/>
+              <a:t>中兴通讯</a:t>
+            </a:r>
+          </a:p>
+        </p:txBody>
+      </p:sp>
+      <p:sp>
+        <p:nvSpPr>
+          <p:cNvPr id="63" name="文本框 62">
+            <a:extLst>
+              <a:ext uri="{FF2B5EF4-FFF2-40B4-BE49-F238E27FC236}">
+                <a16:creationId xmlns:a16="http://schemas.microsoft.com/office/drawing/2014/main" id="{8770319A-DF93-374D-B595-B912650AAFDB}"/>
+              </a:ext>
+            </a:extLst>
+          </p:cNvPr>
+          <p:cNvSpPr txBox="1"/>
+          <p:nvPr/>
+        </p:nvSpPr>
+        <p:spPr>
+          <a:xfrm>
+            <a:off x="5470253" y="1933343"/>
+            <a:ext cx="646331" cy="369332"/>
+          </a:xfrm>
+          <a:prstGeom prst="rect">
+            <a:avLst/>
+          </a:prstGeom>
+          <a:noFill/>
+        </p:spPr>
+        <p:txBody>
+          <a:bodyPr wrap="none" rtlCol="0">
+            <a:spAutoFit/>
+          </a:bodyPr>
+          <a:lstStyle/>
+          <a:p>
+            <a:r>
+              <a:rPr kumimoji="1" lang="zh-CN" altLang="en-US" dirty="0"/>
+              <a:t>华为</a:t>
+            </a:r>
+          </a:p>
+        </p:txBody>
+      </p:sp>
+      <p:sp>
+        <p:nvSpPr>
+          <p:cNvPr id="64" name="文本框 63">
+            <a:extLst>
+              <a:ext uri="{FF2B5EF4-FFF2-40B4-BE49-F238E27FC236}">
+                <a16:creationId xmlns:a16="http://schemas.microsoft.com/office/drawing/2014/main" id="{5898B434-7676-DB47-8CA5-22D5F1E68D49}"/>
+              </a:ext>
+            </a:extLst>
+          </p:cNvPr>
+          <p:cNvSpPr txBox="1"/>
+          <p:nvPr/>
+        </p:nvSpPr>
+        <p:spPr>
+          <a:xfrm>
+            <a:off x="5576857" y="4193260"/>
+            <a:ext cx="877163" cy="369332"/>
+          </a:xfrm>
+          <a:prstGeom prst="rect">
+            <a:avLst/>
+          </a:prstGeom>
+          <a:noFill/>
+        </p:spPr>
+        <p:txBody>
+          <a:bodyPr wrap="none" rtlCol="0">
+            <a:spAutoFit/>
+          </a:bodyPr>
+          <a:lstStyle/>
+          <a:p>
+            <a:r>
+              <a:rPr kumimoji="1" lang="zh-CN" altLang="en-US" dirty="0"/>
+              <a:t>英特尔</a:t>
+            </a:r>
+          </a:p>
+        </p:txBody>
+      </p:sp>
+      <p:sp>
+        <p:nvSpPr>
+          <p:cNvPr id="65" name="文本框 64">
+            <a:extLst>
+              <a:ext uri="{FF2B5EF4-FFF2-40B4-BE49-F238E27FC236}">
+                <a16:creationId xmlns:a16="http://schemas.microsoft.com/office/drawing/2014/main" id="{520303E2-10A5-5746-98D7-74346BEDAABC}"/>
+              </a:ext>
+            </a:extLst>
+          </p:cNvPr>
+          <p:cNvSpPr txBox="1"/>
+          <p:nvPr/>
+        </p:nvSpPr>
+        <p:spPr>
+          <a:xfrm>
+            <a:off x="3159959" y="5305174"/>
+            <a:ext cx="1107996" cy="369332"/>
+          </a:xfrm>
+          <a:prstGeom prst="rect">
+            <a:avLst/>
+          </a:prstGeom>
+          <a:noFill/>
+        </p:spPr>
+        <p:txBody>
+          <a:bodyPr wrap="none" rtlCol="0">
+            <a:spAutoFit/>
+          </a:bodyPr>
+          <a:lstStyle/>
+          <a:p>
+            <a:r>
+              <a:rPr kumimoji="1" lang="zh-CN" altLang="en-US" dirty="0"/>
+              <a:t>中兴康讯</a:t>
+            </a:r>
+          </a:p>
+        </p:txBody>
+      </p:sp>
+      <p:sp>
+        <p:nvSpPr>
+          <p:cNvPr id="66" name="文本框 65">
+            <a:extLst>
+              <a:ext uri="{FF2B5EF4-FFF2-40B4-BE49-F238E27FC236}">
+                <a16:creationId xmlns:a16="http://schemas.microsoft.com/office/drawing/2014/main" id="{63FA45C5-7C23-2A48-8B92-4CFF4A60A457}"/>
+              </a:ext>
+            </a:extLst>
+          </p:cNvPr>
+          <p:cNvSpPr txBox="1"/>
+          <p:nvPr/>
+        </p:nvSpPr>
+        <p:spPr>
+          <a:xfrm>
+            <a:off x="358584" y="4607356"/>
+            <a:ext cx="1107996" cy="369332"/>
+          </a:xfrm>
+          <a:prstGeom prst="rect">
+            <a:avLst/>
+          </a:prstGeom>
+          <a:noFill/>
+        </p:spPr>
+        <p:txBody>
+          <a:bodyPr wrap="none" rtlCol="0">
+            <a:spAutoFit/>
+          </a:bodyPr>
+          <a:lstStyle/>
+          <a:p>
+            <a:r>
+              <a:rPr kumimoji="1" lang="zh-CN" altLang="en-US" dirty="0"/>
+              <a:t>宇顺电子</a:t>
+            </a:r>
+          </a:p>
+        </p:txBody>
+      </p:sp>
+      <p:sp>
+        <p:nvSpPr>
+          <p:cNvPr id="67" name="文本框 66">
+            <a:extLst>
+              <a:ext uri="{FF2B5EF4-FFF2-40B4-BE49-F238E27FC236}">
+                <a16:creationId xmlns:a16="http://schemas.microsoft.com/office/drawing/2014/main" id="{40C91985-8438-9C46-8300-1C444901831B}"/>
+              </a:ext>
+            </a:extLst>
+          </p:cNvPr>
+          <p:cNvSpPr txBox="1"/>
+          <p:nvPr/>
+        </p:nvSpPr>
+        <p:spPr>
+          <a:xfrm>
+            <a:off x="358584" y="5319493"/>
+            <a:ext cx="1107996" cy="369332"/>
+          </a:xfrm>
+          <a:prstGeom prst="rect">
+            <a:avLst/>
+          </a:prstGeom>
+          <a:noFill/>
+        </p:spPr>
+        <p:txBody>
+          <a:bodyPr wrap="none" rtlCol="0">
+            <a:spAutoFit/>
+          </a:bodyPr>
+          <a:lstStyle/>
+          <a:p>
+            <a:r>
+              <a:rPr kumimoji="1" lang="zh-CN" altLang="en-US" dirty="0"/>
+              <a:t>共进股份</a:t>
+            </a:r>
+          </a:p>
+        </p:txBody>
+      </p:sp>
+      <p:sp>
+        <p:nvSpPr>
+          <p:cNvPr id="68" name="文本框 67">
+            <a:extLst>
+              <a:ext uri="{FF2B5EF4-FFF2-40B4-BE49-F238E27FC236}">
+                <a16:creationId xmlns:a16="http://schemas.microsoft.com/office/drawing/2014/main" id="{B45D17C9-9F5C-0F43-8C7F-FE072811B240}"/>
+              </a:ext>
+            </a:extLst>
+          </p:cNvPr>
+          <p:cNvSpPr txBox="1"/>
+          <p:nvPr/>
+        </p:nvSpPr>
+        <p:spPr>
+          <a:xfrm>
+            <a:off x="475805" y="3964740"/>
+            <a:ext cx="822661" cy="369332"/>
+          </a:xfrm>
+          <a:prstGeom prst="rect">
+            <a:avLst/>
+          </a:prstGeom>
+          <a:noFill/>
+        </p:spPr>
+        <p:txBody>
+          <a:bodyPr wrap="none" rtlCol="0">
+            <a:spAutoFit/>
+          </a:bodyPr>
+          <a:lstStyle/>
+          <a:p>
+            <a:r>
+              <a:rPr kumimoji="1" lang="en-US" altLang="zh-CN" dirty="0"/>
+              <a:t>Acacia</a:t>
+            </a:r>
+            <a:endParaRPr kumimoji="1" lang="zh-CN" altLang="en-US" dirty="0"/>
+          </a:p>
+        </p:txBody>
+      </p:sp>
+      <p:sp>
+        <p:nvSpPr>
+          <p:cNvPr id="69" name="文本框 68">
+            <a:extLst>
+              <a:ext uri="{FF2B5EF4-FFF2-40B4-BE49-F238E27FC236}">
+                <a16:creationId xmlns:a16="http://schemas.microsoft.com/office/drawing/2014/main" id="{1BC59D1D-F018-D94B-82FC-7647A9B5B787}"/>
+              </a:ext>
+            </a:extLst>
+          </p:cNvPr>
+          <p:cNvSpPr txBox="1"/>
+          <p:nvPr/>
+        </p:nvSpPr>
+        <p:spPr>
+          <a:xfrm>
+            <a:off x="2309789" y="3895112"/>
+            <a:ext cx="1107996" cy="369332"/>
+          </a:xfrm>
+          <a:prstGeom prst="rect">
+            <a:avLst/>
+          </a:prstGeom>
+          <a:noFill/>
+        </p:spPr>
+        <p:txBody>
+          <a:bodyPr wrap="none" rtlCol="0">
+            <a:spAutoFit/>
+          </a:bodyPr>
+          <a:lstStyle/>
+          <a:p>
+            <a:r>
+              <a:rPr kumimoji="1" lang="zh-CN" altLang="en-US" dirty="0"/>
+              <a:t>美国博通</a:t>
+            </a:r>
+          </a:p>
+        </p:txBody>
+      </p:sp>
+      <p:sp>
+        <p:nvSpPr>
+          <p:cNvPr id="70" name="文本框 69">
+            <a:extLst>
+              <a:ext uri="{FF2B5EF4-FFF2-40B4-BE49-F238E27FC236}">
+                <a16:creationId xmlns:a16="http://schemas.microsoft.com/office/drawing/2014/main" id="{B4465DD8-C9ED-CA4E-B412-3DB004A00753}"/>
+              </a:ext>
+            </a:extLst>
+          </p:cNvPr>
+          <p:cNvSpPr txBox="1"/>
+          <p:nvPr/>
+        </p:nvSpPr>
+        <p:spPr>
+          <a:xfrm>
+            <a:off x="2251065" y="3206073"/>
+            <a:ext cx="1107996" cy="369332"/>
+          </a:xfrm>
+          <a:prstGeom prst="rect">
+            <a:avLst/>
+          </a:prstGeom>
+          <a:noFill/>
+        </p:spPr>
+        <p:txBody>
+          <a:bodyPr wrap="none" rtlCol="0">
+            <a:spAutoFit/>
+          </a:bodyPr>
+          <a:lstStyle/>
+          <a:p>
+            <a:r>
+              <a:rPr kumimoji="1" lang="zh-CN" altLang="en-US" dirty="0"/>
+              <a:t>美国高通</a:t>
+            </a:r>
+          </a:p>
+        </p:txBody>
+      </p:sp>
+      <p:sp>
+        <p:nvSpPr>
+          <p:cNvPr id="71" name="文本框 70">
+            <a:extLst>
+              <a:ext uri="{FF2B5EF4-FFF2-40B4-BE49-F238E27FC236}">
+                <a16:creationId xmlns:a16="http://schemas.microsoft.com/office/drawing/2014/main" id="{46315CF7-0D80-144C-A339-194CCFF02ACD}"/>
+              </a:ext>
+            </a:extLst>
+          </p:cNvPr>
+          <p:cNvSpPr txBox="1"/>
+          <p:nvPr/>
+        </p:nvSpPr>
+        <p:spPr>
+          <a:xfrm>
+            <a:off x="2185790" y="2517034"/>
+            <a:ext cx="1107996" cy="369332"/>
+          </a:xfrm>
+          <a:prstGeom prst="rect">
+            <a:avLst/>
+          </a:prstGeom>
+          <a:noFill/>
+        </p:spPr>
+        <p:txBody>
+          <a:bodyPr wrap="none" rtlCol="0">
+            <a:spAutoFit/>
+          </a:bodyPr>
+          <a:lstStyle/>
+          <a:p>
+            <a:r>
+              <a:rPr kumimoji="1" lang="zh-CN" altLang="en-US" dirty="0"/>
+              <a:t>超声电子</a:t>
+            </a:r>
+          </a:p>
+        </p:txBody>
+      </p:sp>
+      <p:sp>
+        <p:nvSpPr>
+          <p:cNvPr id="72" name="文本框 71">
+            <a:extLst>
+              <a:ext uri="{FF2B5EF4-FFF2-40B4-BE49-F238E27FC236}">
+                <a16:creationId xmlns:a16="http://schemas.microsoft.com/office/drawing/2014/main" id="{3520DD70-D73C-984E-8C37-42BB553780B7}"/>
+              </a:ext>
+            </a:extLst>
+          </p:cNvPr>
+          <p:cNvSpPr txBox="1"/>
+          <p:nvPr/>
+        </p:nvSpPr>
+        <p:spPr>
+          <a:xfrm>
+            <a:off x="2195642" y="1777424"/>
+            <a:ext cx="1107996" cy="369332"/>
+          </a:xfrm>
+          <a:prstGeom prst="rect">
+            <a:avLst/>
+          </a:prstGeom>
+          <a:noFill/>
+        </p:spPr>
+        <p:txBody>
+          <a:bodyPr wrap="none" rtlCol="0">
+            <a:spAutoFit/>
+          </a:bodyPr>
+          <a:lstStyle/>
+          <a:p>
+            <a:r>
+              <a:rPr kumimoji="1" lang="zh-CN" altLang="en-US" dirty="0"/>
+              <a:t>卓冀科技</a:t>
+            </a:r>
+          </a:p>
+        </p:txBody>
+      </p:sp>
+      <p:sp>
+        <p:nvSpPr>
+          <p:cNvPr id="73" name="文本框 72">
+            <a:extLst>
+              <a:ext uri="{FF2B5EF4-FFF2-40B4-BE49-F238E27FC236}">
+                <a16:creationId xmlns:a16="http://schemas.microsoft.com/office/drawing/2014/main" id="{FFF2DDC5-81D5-FE46-A84E-8EEF9E6C7AB6}"/>
+              </a:ext>
+            </a:extLst>
+          </p:cNvPr>
+          <p:cNvSpPr txBox="1"/>
+          <p:nvPr/>
+        </p:nvSpPr>
+        <p:spPr>
+          <a:xfrm>
+            <a:off x="2442353" y="850310"/>
+            <a:ext cx="1107996" cy="369332"/>
+          </a:xfrm>
+          <a:prstGeom prst="rect">
+            <a:avLst/>
+          </a:prstGeom>
+          <a:noFill/>
+        </p:spPr>
+        <p:txBody>
+          <a:bodyPr wrap="none" rtlCol="0">
+            <a:spAutoFit/>
+          </a:bodyPr>
+          <a:lstStyle/>
+          <a:p>
+            <a:r>
+              <a:rPr kumimoji="1" lang="zh-CN" altLang="en-US" dirty="0"/>
+              <a:t>华星创业</a:t>
+            </a:r>
+          </a:p>
+        </p:txBody>
+      </p:sp>
+      <p:sp>
+        <p:nvSpPr>
+          <p:cNvPr id="74" name="文本框 73">
+            <a:extLst>
+              <a:ext uri="{FF2B5EF4-FFF2-40B4-BE49-F238E27FC236}">
+                <a16:creationId xmlns:a16="http://schemas.microsoft.com/office/drawing/2014/main" id="{572E12C7-2262-2F49-B685-8860BDE9A8A0}"/>
+              </a:ext>
+            </a:extLst>
+          </p:cNvPr>
+          <p:cNvSpPr txBox="1"/>
+          <p:nvPr/>
+        </p:nvSpPr>
+        <p:spPr>
+          <a:xfrm>
+            <a:off x="3025574" y="273406"/>
+            <a:ext cx="1107996" cy="369332"/>
+          </a:xfrm>
+          <a:prstGeom prst="rect">
+            <a:avLst/>
+          </a:prstGeom>
+          <a:noFill/>
+        </p:spPr>
+        <p:txBody>
+          <a:bodyPr wrap="none" rtlCol="0">
+            <a:spAutoFit/>
+          </a:bodyPr>
+          <a:lstStyle/>
+          <a:p>
+            <a:r>
+              <a:rPr kumimoji="1" lang="zh-CN" altLang="en-US" dirty="0"/>
+              <a:t>大富科技</a:t>
+            </a:r>
+          </a:p>
+        </p:txBody>
+      </p:sp>
+      <p:sp>
+        <p:nvSpPr>
+          <p:cNvPr id="75" name="文本框 74">
+            <a:extLst>
+              <a:ext uri="{FF2B5EF4-FFF2-40B4-BE49-F238E27FC236}">
+                <a16:creationId xmlns:a16="http://schemas.microsoft.com/office/drawing/2014/main" id="{B9EC8E2C-EEDB-214C-8096-B6C9BA4A5862}"/>
+              </a:ext>
+            </a:extLst>
+          </p:cNvPr>
+          <p:cNvSpPr txBox="1"/>
+          <p:nvPr/>
+        </p:nvSpPr>
+        <p:spPr>
+          <a:xfrm>
+            <a:off x="5585082" y="325634"/>
+            <a:ext cx="1107996" cy="369332"/>
+          </a:xfrm>
+          <a:prstGeom prst="rect">
+            <a:avLst/>
+          </a:prstGeom>
+          <a:noFill/>
+        </p:spPr>
+        <p:txBody>
+          <a:bodyPr wrap="none" rtlCol="0">
+            <a:spAutoFit/>
+          </a:bodyPr>
+          <a:lstStyle/>
+          <a:p>
+            <a:r>
+              <a:rPr kumimoji="1" lang="zh-CN" altLang="en-US" dirty="0"/>
+              <a:t>盛路通信</a:t>
+            </a:r>
+          </a:p>
+        </p:txBody>
+      </p:sp>
+      <p:sp>
+        <p:nvSpPr>
+          <p:cNvPr id="76" name="文本框 75">
+            <a:extLst>
+              <a:ext uri="{FF2B5EF4-FFF2-40B4-BE49-F238E27FC236}">
+                <a16:creationId xmlns:a16="http://schemas.microsoft.com/office/drawing/2014/main" id="{9F29DC78-5F8B-BC48-BACA-3C045805868D}"/>
+              </a:ext>
+            </a:extLst>
+          </p:cNvPr>
+          <p:cNvSpPr txBox="1"/>
+          <p:nvPr/>
+        </p:nvSpPr>
+        <p:spPr>
+          <a:xfrm>
+            <a:off x="7855903" y="2583492"/>
+            <a:ext cx="1107996" cy="369332"/>
+          </a:xfrm>
+          <a:prstGeom prst="rect">
+            <a:avLst/>
+          </a:prstGeom>
+          <a:noFill/>
+        </p:spPr>
+        <p:txBody>
+          <a:bodyPr wrap="none" rtlCol="0">
+            <a:spAutoFit/>
+          </a:bodyPr>
+          <a:lstStyle/>
+          <a:p>
+            <a:r>
+              <a:rPr kumimoji="1" lang="zh-CN" altLang="en-US" dirty="0"/>
+              <a:t>中国移动</a:t>
+            </a:r>
+          </a:p>
+        </p:txBody>
+      </p:sp>
+      <p:sp>
+        <p:nvSpPr>
+          <p:cNvPr id="77" name="文本框 76">
+            <a:extLst>
+              <a:ext uri="{FF2B5EF4-FFF2-40B4-BE49-F238E27FC236}">
+                <a16:creationId xmlns:a16="http://schemas.microsoft.com/office/drawing/2014/main" id="{A1672498-6CEB-EB4B-ABC5-C390B32F790C}"/>
+              </a:ext>
+            </a:extLst>
+          </p:cNvPr>
+          <p:cNvSpPr txBox="1"/>
+          <p:nvPr/>
+        </p:nvSpPr>
+        <p:spPr>
+          <a:xfrm>
+            <a:off x="7855903" y="3492672"/>
+            <a:ext cx="1128835" cy="369332"/>
+          </a:xfrm>
+          <a:prstGeom prst="rect">
+            <a:avLst/>
+          </a:prstGeom>
+          <a:noFill/>
+        </p:spPr>
+        <p:txBody>
+          <a:bodyPr wrap="none" rtlCol="0">
+            <a:spAutoFit/>
+          </a:bodyPr>
+          <a:lstStyle/>
+          <a:p>
+            <a:r>
+              <a:rPr kumimoji="1" lang="zh-CN" altLang="en-US" dirty="0"/>
+              <a:t>中国联通</a:t>
+            </a:r>
+          </a:p>
+        </p:txBody>
+      </p:sp>
+      <p:grpSp>
+        <p:nvGrpSpPr>
+          <p:cNvPr id="85" name="组合 84">
+            <a:extLst>
+              <a:ext uri="{FF2B5EF4-FFF2-40B4-BE49-F238E27FC236}">
+                <a16:creationId xmlns:a16="http://schemas.microsoft.com/office/drawing/2014/main" id="{A595551E-8904-4F49-BC6E-CF66F5AE9FB0}"/>
+              </a:ext>
+            </a:extLst>
+          </p:cNvPr>
+          <p:cNvGrpSpPr/>
+          <p:nvPr/>
+        </p:nvGrpSpPr>
+        <p:grpSpPr>
+          <a:xfrm>
+            <a:off x="9749647" y="811182"/>
+            <a:ext cx="1824743" cy="369332"/>
+            <a:chOff x="9749648" y="1345365"/>
+            <a:chExt cx="1824743" cy="369332"/>
+          </a:xfrm>
+        </p:grpSpPr>
+        <p:cxnSp>
+          <p:nvCxnSpPr>
+            <p:cNvPr id="78" name="直线连接符 77">
+              <a:extLst>
+                <a:ext uri="{FF2B5EF4-FFF2-40B4-BE49-F238E27FC236}">
+                  <a16:creationId xmlns:a16="http://schemas.microsoft.com/office/drawing/2014/main" id="{74CF4913-3914-0C48-9EBF-842AC794FDE9}"/>
+                </a:ext>
+              </a:extLst>
+            </p:cNvPr>
+            <p:cNvCxnSpPr>
+              <a:cxnSpLocks/>
+            </p:cNvCxnSpPr>
+            <p:nvPr/>
+          </p:nvCxnSpPr>
+          <p:spPr>
+            <a:xfrm flipH="1" flipV="1">
+              <a:off x="9749648" y="1518318"/>
+              <a:ext cx="784741" cy="11713"/>
+            </a:xfrm>
+            <a:prstGeom prst="line">
+              <a:avLst/>
+            </a:prstGeom>
+            <a:ln w="63500"/>
+          </p:spPr>
+          <p:style>
+            <a:lnRef idx="1">
+              <a:schemeClr val="accent6"/>
+            </a:lnRef>
+            <a:fillRef idx="0">
+              <a:schemeClr val="accent6"/>
+            </a:fillRef>
+            <a:effectRef idx="0">
+              <a:schemeClr val="accent6"/>
+            </a:effectRef>
+            <a:fontRef idx="minor">
+              <a:schemeClr val="tx1"/>
+            </a:fontRef>
+          </p:style>
+        </p:cxnSp>
+        <p:sp>
+          <p:nvSpPr>
+            <p:cNvPr id="82" name="文本框 81">
+              <a:extLst>
+                <a:ext uri="{FF2B5EF4-FFF2-40B4-BE49-F238E27FC236}">
+                  <a16:creationId xmlns:a16="http://schemas.microsoft.com/office/drawing/2014/main" id="{D5B96B5D-50BB-7C4E-BC19-BD40DD01CA05}"/>
+                </a:ext>
+              </a:extLst>
+            </p:cNvPr>
+            <p:cNvSpPr txBox="1"/>
+            <p:nvPr/>
+          </p:nvSpPr>
+          <p:spPr>
+            <a:xfrm>
+              <a:off x="10697228" y="1345365"/>
+              <a:ext cx="877163" cy="369332"/>
+            </a:xfrm>
+            <a:prstGeom prst="rect">
+              <a:avLst/>
+            </a:prstGeom>
+            <a:noFill/>
+          </p:spPr>
+          <p:txBody>
+            <a:bodyPr wrap="none" rtlCol="0">
+              <a:spAutoFit/>
+            </a:bodyPr>
+            <a:lstStyle/>
+            <a:p>
+              <a:r>
+                <a:rPr kumimoji="1" lang="zh-CN" altLang="en-US" dirty="0"/>
+                <a:t>子公司</a:t>
+              </a:r>
+            </a:p>
+          </p:txBody>
+        </p:sp>
+      </p:grpSp>
+      <p:grpSp>
+        <p:nvGrpSpPr>
+          <p:cNvPr id="87" name="组合 86">
+            <a:extLst>
+              <a:ext uri="{FF2B5EF4-FFF2-40B4-BE49-F238E27FC236}">
+                <a16:creationId xmlns:a16="http://schemas.microsoft.com/office/drawing/2014/main" id="{70E2463E-9B76-8840-93B4-BA90DCBB1879}"/>
+              </a:ext>
+            </a:extLst>
+          </p:cNvPr>
+          <p:cNvGrpSpPr/>
+          <p:nvPr/>
+        </p:nvGrpSpPr>
+        <p:grpSpPr>
+          <a:xfrm>
+            <a:off x="9749647" y="1292454"/>
+            <a:ext cx="1824743" cy="369332"/>
+            <a:chOff x="9749648" y="1345365"/>
+            <a:chExt cx="1824743" cy="369332"/>
+          </a:xfrm>
+        </p:grpSpPr>
+        <p:cxnSp>
+          <p:nvCxnSpPr>
+            <p:cNvPr id="88" name="直线连接符 87">
+              <a:extLst>
+                <a:ext uri="{FF2B5EF4-FFF2-40B4-BE49-F238E27FC236}">
+                  <a16:creationId xmlns:a16="http://schemas.microsoft.com/office/drawing/2014/main" id="{B00E1AE6-E3C6-054F-ABDE-F6487D1F8396}"/>
+                </a:ext>
+              </a:extLst>
+            </p:cNvPr>
+            <p:cNvCxnSpPr>
+              <a:cxnSpLocks/>
+            </p:cNvCxnSpPr>
+            <p:nvPr/>
+          </p:nvCxnSpPr>
+          <p:spPr>
+            <a:xfrm flipH="1" flipV="1">
+              <a:off x="9749648" y="1518318"/>
+              <a:ext cx="784741" cy="11713"/>
+            </a:xfrm>
+            <a:prstGeom prst="line">
+              <a:avLst/>
+            </a:prstGeom>
+            <a:ln w="63500">
+              <a:solidFill>
+                <a:srgbClr val="0070C0"/>
+              </a:solidFill>
+            </a:ln>
+          </p:spPr>
+          <p:style>
+            <a:lnRef idx="1">
+              <a:schemeClr val="accent6"/>
+            </a:lnRef>
+            <a:fillRef idx="0">
+              <a:schemeClr val="accent6"/>
+            </a:fillRef>
+            <a:effectRef idx="0">
+              <a:schemeClr val="accent6"/>
+            </a:effectRef>
+            <a:fontRef idx="minor">
+              <a:schemeClr val="tx1"/>
+            </a:fontRef>
+          </p:style>
+        </p:cxnSp>
+        <p:sp>
+          <p:nvSpPr>
+            <p:cNvPr id="89" name="文本框 88">
+              <a:extLst>
+                <a:ext uri="{FF2B5EF4-FFF2-40B4-BE49-F238E27FC236}">
+                  <a16:creationId xmlns:a16="http://schemas.microsoft.com/office/drawing/2014/main" id="{BCAA1433-8EB3-0D44-9B58-929FC32B94DE}"/>
+                </a:ext>
+              </a:extLst>
+            </p:cNvPr>
+            <p:cNvSpPr txBox="1"/>
+            <p:nvPr/>
+          </p:nvSpPr>
+          <p:spPr>
+            <a:xfrm>
+              <a:off x="10697228" y="1345365"/>
+              <a:ext cx="877163" cy="369332"/>
+            </a:xfrm>
+            <a:prstGeom prst="rect">
+              <a:avLst/>
+            </a:prstGeom>
+            <a:noFill/>
+          </p:spPr>
+          <p:txBody>
+            <a:bodyPr wrap="none" rtlCol="0">
+              <a:spAutoFit/>
+            </a:bodyPr>
+            <a:lstStyle/>
+            <a:p>
+              <a:r>
+                <a:rPr kumimoji="1" lang="zh-CN" altLang="en-US" dirty="0"/>
+                <a:t>供应商</a:t>
+              </a:r>
+            </a:p>
+          </p:txBody>
+        </p:sp>
+      </p:grpSp>
+      <p:grpSp>
+        <p:nvGrpSpPr>
+          <p:cNvPr id="90" name="组合 89">
+            <a:extLst>
+              <a:ext uri="{FF2B5EF4-FFF2-40B4-BE49-F238E27FC236}">
+                <a16:creationId xmlns:a16="http://schemas.microsoft.com/office/drawing/2014/main" id="{B654E2EA-5FD9-4E44-AF98-1415D705E333}"/>
+              </a:ext>
+            </a:extLst>
+          </p:cNvPr>
+          <p:cNvGrpSpPr/>
+          <p:nvPr/>
+        </p:nvGrpSpPr>
+        <p:grpSpPr>
+          <a:xfrm>
+            <a:off x="9749647" y="1797256"/>
+            <a:ext cx="1593911" cy="369332"/>
+            <a:chOff x="9749648" y="1345365"/>
+            <a:chExt cx="1593911" cy="369332"/>
+          </a:xfrm>
+        </p:grpSpPr>
+        <p:cxnSp>
+          <p:nvCxnSpPr>
+            <p:cNvPr id="91" name="直线连接符 90">
+              <a:extLst>
+                <a:ext uri="{FF2B5EF4-FFF2-40B4-BE49-F238E27FC236}">
+                  <a16:creationId xmlns:a16="http://schemas.microsoft.com/office/drawing/2014/main" id="{34DDF6FB-A09B-3042-AC36-A3E5ED3CDAC3}"/>
+                </a:ext>
+              </a:extLst>
+            </p:cNvPr>
+            <p:cNvCxnSpPr>
+              <a:cxnSpLocks/>
+            </p:cNvCxnSpPr>
+            <p:nvPr/>
+          </p:nvCxnSpPr>
+          <p:spPr>
+            <a:xfrm flipH="1" flipV="1">
+              <a:off x="9749648" y="1518318"/>
+              <a:ext cx="784741" cy="11713"/>
+            </a:xfrm>
+            <a:prstGeom prst="line">
+              <a:avLst/>
+            </a:prstGeom>
+            <a:ln w="63500">
+              <a:solidFill>
+                <a:srgbClr val="7030A0"/>
+              </a:solidFill>
+            </a:ln>
+          </p:spPr>
+          <p:style>
+            <a:lnRef idx="1">
+              <a:schemeClr val="accent6"/>
+            </a:lnRef>
+            <a:fillRef idx="0">
+              <a:schemeClr val="accent6"/>
+            </a:fillRef>
+            <a:effectRef idx="0">
+              <a:schemeClr val="accent6"/>
+            </a:effectRef>
+            <a:fontRef idx="minor">
+              <a:schemeClr val="tx1"/>
+            </a:fontRef>
+          </p:style>
+        </p:cxnSp>
+        <p:sp>
+          <p:nvSpPr>
+            <p:cNvPr id="92" name="文本框 91">
+              <a:extLst>
+                <a:ext uri="{FF2B5EF4-FFF2-40B4-BE49-F238E27FC236}">
+                  <a16:creationId xmlns:a16="http://schemas.microsoft.com/office/drawing/2014/main" id="{2E14DA71-84AE-364C-899B-426DCD87559C}"/>
+                </a:ext>
+              </a:extLst>
+            </p:cNvPr>
+            <p:cNvSpPr txBox="1"/>
+            <p:nvPr/>
+          </p:nvSpPr>
+          <p:spPr>
+            <a:xfrm>
+              <a:off x="10697228" y="1345365"/>
+              <a:ext cx="646331" cy="369332"/>
+            </a:xfrm>
+            <a:prstGeom prst="rect">
+              <a:avLst/>
+            </a:prstGeom>
+            <a:noFill/>
+          </p:spPr>
+          <p:txBody>
+            <a:bodyPr wrap="none" rtlCol="0">
+              <a:spAutoFit/>
+            </a:bodyPr>
+            <a:lstStyle/>
+            <a:p>
+              <a:r>
+                <a:rPr kumimoji="1" lang="zh-CN" altLang="en-US" dirty="0"/>
+                <a:t>客户</a:t>
+              </a:r>
+            </a:p>
+          </p:txBody>
+        </p:sp>
+      </p:grpSp>
+      <p:grpSp>
+        <p:nvGrpSpPr>
+          <p:cNvPr id="93" name="组合 92">
+            <a:extLst>
+              <a:ext uri="{FF2B5EF4-FFF2-40B4-BE49-F238E27FC236}">
+                <a16:creationId xmlns:a16="http://schemas.microsoft.com/office/drawing/2014/main" id="{408EE8C3-8694-A74B-B86E-9C1D8AB0B02E}"/>
+              </a:ext>
+            </a:extLst>
+          </p:cNvPr>
+          <p:cNvGrpSpPr/>
+          <p:nvPr/>
+        </p:nvGrpSpPr>
+        <p:grpSpPr>
+          <a:xfrm>
+            <a:off x="9749647" y="2290241"/>
+            <a:ext cx="2055576" cy="369332"/>
+            <a:chOff x="9749648" y="1345365"/>
+            <a:chExt cx="2055576" cy="369332"/>
+          </a:xfrm>
+        </p:grpSpPr>
+        <p:cxnSp>
+          <p:nvCxnSpPr>
+            <p:cNvPr id="94" name="直线连接符 93">
+              <a:extLst>
+                <a:ext uri="{FF2B5EF4-FFF2-40B4-BE49-F238E27FC236}">
+                  <a16:creationId xmlns:a16="http://schemas.microsoft.com/office/drawing/2014/main" id="{55C3DD99-4F05-7C4B-99A8-1265C845B6DA}"/>
+                </a:ext>
+              </a:extLst>
+            </p:cNvPr>
+            <p:cNvCxnSpPr>
+              <a:cxnSpLocks/>
+            </p:cNvCxnSpPr>
+            <p:nvPr/>
+          </p:nvCxnSpPr>
+          <p:spPr>
+            <a:xfrm flipH="1" flipV="1">
+              <a:off x="9749648" y="1518318"/>
+              <a:ext cx="784741" cy="11713"/>
+            </a:xfrm>
+            <a:prstGeom prst="line">
+              <a:avLst/>
+            </a:prstGeom>
+            <a:ln w="63500">
+              <a:solidFill>
+                <a:srgbClr val="FFC000"/>
+              </a:solidFill>
+            </a:ln>
+          </p:spPr>
+          <p:style>
+            <a:lnRef idx="1">
+              <a:schemeClr val="accent6"/>
+            </a:lnRef>
+            <a:fillRef idx="0">
+              <a:schemeClr val="accent6"/>
+            </a:fillRef>
+            <a:effectRef idx="0">
+              <a:schemeClr val="accent6"/>
+            </a:effectRef>
+            <a:fontRef idx="minor">
+              <a:schemeClr val="tx1"/>
+            </a:fontRef>
+          </p:style>
+        </p:cxnSp>
+        <p:sp>
+          <p:nvSpPr>
+            <p:cNvPr id="95" name="文本框 94">
+              <a:extLst>
+                <a:ext uri="{FF2B5EF4-FFF2-40B4-BE49-F238E27FC236}">
+                  <a16:creationId xmlns:a16="http://schemas.microsoft.com/office/drawing/2014/main" id="{8857DE5B-8291-F046-BE6A-F220F758687B}"/>
+                </a:ext>
+              </a:extLst>
+            </p:cNvPr>
+            <p:cNvSpPr txBox="1"/>
+            <p:nvPr/>
+          </p:nvSpPr>
+          <p:spPr>
+            <a:xfrm>
+              <a:off x="10697228" y="1345365"/>
+              <a:ext cx="1107996" cy="369332"/>
+            </a:xfrm>
+            <a:prstGeom prst="rect">
+              <a:avLst/>
+            </a:prstGeom>
+            <a:noFill/>
+          </p:spPr>
+          <p:txBody>
+            <a:bodyPr wrap="none" rtlCol="0">
+              <a:spAutoFit/>
+            </a:bodyPr>
+            <a:lstStyle/>
+            <a:p>
+              <a:r>
+                <a:rPr kumimoji="1" lang="zh-CN" altLang="en-US" dirty="0"/>
+                <a:t>合作伙伴</a:t>
+              </a:r>
+            </a:p>
+          </p:txBody>
+        </p:sp>
+      </p:grpSp>
+      <p:grpSp>
+        <p:nvGrpSpPr>
+          <p:cNvPr id="96" name="组合 95">
+            <a:extLst>
+              <a:ext uri="{FF2B5EF4-FFF2-40B4-BE49-F238E27FC236}">
+                <a16:creationId xmlns:a16="http://schemas.microsoft.com/office/drawing/2014/main" id="{2B564C00-5841-3343-AFDF-CD1079C2C445}"/>
+              </a:ext>
+            </a:extLst>
+          </p:cNvPr>
+          <p:cNvGrpSpPr/>
+          <p:nvPr/>
+        </p:nvGrpSpPr>
+        <p:grpSpPr>
+          <a:xfrm>
+            <a:off x="9749647" y="2726372"/>
+            <a:ext cx="2055576" cy="369332"/>
+            <a:chOff x="9749648" y="1345365"/>
+            <a:chExt cx="2055576" cy="369332"/>
+          </a:xfrm>
+        </p:grpSpPr>
+        <p:cxnSp>
+          <p:nvCxnSpPr>
+            <p:cNvPr id="97" name="直线连接符 96">
+              <a:extLst>
+                <a:ext uri="{FF2B5EF4-FFF2-40B4-BE49-F238E27FC236}">
+                  <a16:creationId xmlns:a16="http://schemas.microsoft.com/office/drawing/2014/main" id="{9E311CA1-BF4F-9444-939E-59FF32EA7DF5}"/>
+                </a:ext>
+              </a:extLst>
+            </p:cNvPr>
+            <p:cNvCxnSpPr>
+              <a:cxnSpLocks/>
+            </p:cNvCxnSpPr>
+            <p:nvPr/>
+          </p:nvCxnSpPr>
+          <p:spPr>
+            <a:xfrm flipH="1" flipV="1">
+              <a:off x="9749648" y="1518318"/>
+              <a:ext cx="784741" cy="11713"/>
+            </a:xfrm>
+            <a:prstGeom prst="line">
+              <a:avLst/>
+            </a:prstGeom>
+            <a:ln w="63500">
+              <a:solidFill>
+                <a:schemeClr val="tx1"/>
+              </a:solidFill>
+            </a:ln>
+          </p:spPr>
+          <p:style>
+            <a:lnRef idx="1">
+              <a:schemeClr val="accent6"/>
+            </a:lnRef>
+            <a:fillRef idx="0">
+              <a:schemeClr val="accent6"/>
+            </a:fillRef>
+            <a:effectRef idx="0">
+              <a:schemeClr val="accent6"/>
+            </a:effectRef>
+            <a:fontRef idx="minor">
+              <a:schemeClr val="tx1"/>
+            </a:fontRef>
+          </p:style>
+        </p:cxnSp>
+        <p:sp>
+          <p:nvSpPr>
+            <p:cNvPr id="98" name="文本框 97">
+              <a:extLst>
+                <a:ext uri="{FF2B5EF4-FFF2-40B4-BE49-F238E27FC236}">
+                  <a16:creationId xmlns:a16="http://schemas.microsoft.com/office/drawing/2014/main" id="{B3C2CF76-609A-3145-9F93-6590969125CA}"/>
+                </a:ext>
+              </a:extLst>
+            </p:cNvPr>
+            <p:cNvSpPr txBox="1"/>
+            <p:nvPr/>
+          </p:nvSpPr>
+          <p:spPr>
+            <a:xfrm>
+              <a:off x="10697228" y="1345365"/>
+              <a:ext cx="1107996" cy="369332"/>
+            </a:xfrm>
+            <a:prstGeom prst="rect">
+              <a:avLst/>
+            </a:prstGeom>
+            <a:noFill/>
+          </p:spPr>
+          <p:txBody>
+            <a:bodyPr wrap="none" rtlCol="0">
+              <a:spAutoFit/>
+            </a:bodyPr>
+            <a:lstStyle/>
+            <a:p>
+              <a:r>
+                <a:rPr kumimoji="1" lang="zh-CN" altLang="en-US" dirty="0"/>
+                <a:t>竞争对手</a:t>
+              </a:r>
+            </a:p>
+          </p:txBody>
+        </p:sp>
+      </p:grpSp>
+      <p:sp>
+        <p:nvSpPr>
+          <p:cNvPr id="100" name="矩形 99">
+            <a:extLst>
+              <a:ext uri="{FF2B5EF4-FFF2-40B4-BE49-F238E27FC236}">
+                <a16:creationId xmlns:a16="http://schemas.microsoft.com/office/drawing/2014/main" id="{252D02B0-9A92-DD43-8193-D38B84F9297C}"/>
+              </a:ext>
+            </a:extLst>
+          </p:cNvPr>
+          <p:cNvSpPr/>
+          <p:nvPr/>
+        </p:nvSpPr>
+        <p:spPr>
+          <a:xfrm>
+            <a:off x="9519781" y="580250"/>
+            <a:ext cx="2417523" cy="2737821"/>
+          </a:xfrm>
+          <a:prstGeom prst="rect">
+            <a:avLst/>
+          </a:prstGeom>
+          <a:noFill/>
+          <a:ln>
+            <a:solidFill>
+              <a:schemeClr val="tx1"/>
+            </a:solidFill>
+            <a:prstDash val="dashDot"/>
+          </a:ln>
+        </p:spPr>
+        <p:style>
+          <a:lnRef idx="2">
+            <a:schemeClr val="accent1">
+              <a:shade val="50000"/>
+            </a:schemeClr>
+          </a:lnRef>
+          <a:fillRef idx="1">
+            <a:schemeClr val="accent1"/>
+          </a:fillRef>
+          <a:effectRef idx="0">
+            <a:schemeClr val="accent1"/>
+          </a:effectRef>
+          <a:fontRef idx="minor">
+            <a:schemeClr val="lt1"/>
+          </a:fontRef>
+        </p:style>
+        <p:txBody>
+          <a:bodyPr rtlCol="0" anchor="ctr"/>
+          <a:lstStyle/>
+          <a:p>
+            <a:pPr algn="ctr"/>
+            <a:endParaRPr kumimoji="1" lang="zh-CN" altLang="en-US"/>
+          </a:p>
+        </p:txBody>
+      </p:sp>
+    </p:spTree>
+    <p:extLst>
+      <p:ext uri="{BB962C8B-B14F-4D97-AF65-F5344CB8AC3E}">
+        <p14:creationId xmlns:p14="http://schemas.microsoft.com/office/powerpoint/2010/main" val="1239841956"/>
+      </p:ext>
+    </p:extLst>
+  </p:cSld>
+  <p:clrMapOvr>
+    <a:masterClrMapping/>
+  </p:clrMapOvr>
+</p:sld>
+</file>
+
 <file path=ppt/theme/theme1.xml><?xml version="1.0" encoding="utf-8"?>
 <a:theme xmlns:a="http://schemas.openxmlformats.org/drawingml/2006/main" name="Office 主题​​">
   <a:themeElements>
